--- a/The Coffee Shop.pptx
+++ b/The Coffee Shop.pptx
@@ -241,7 +241,7 @@
           <a:p>
             <a:fld id="{EC13577B-6902-467D-A26C-08A0DD5E4E03}" type="datetimeFigureOut">
               <a:rPr lang="en-US" smtClean="0"/>
-              <a:t>12/20/2017</a:t>
+              <a:t>12/20/17</a:t>
             </a:fld>
             <a:endParaRPr lang="en-US"/>
           </a:p>
@@ -891,7 +891,7 @@
           <a:p>
             <a:fld id="{1AC85A85-A684-40D8-86A3-C9259AAE82D8}" type="datetime1">
               <a:rPr lang="en-US" smtClean="0"/>
-              <a:t>12/20/2017</a:t>
+              <a:t>12/20/17</a:t>
             </a:fld>
             <a:endParaRPr lang="en-US"/>
           </a:p>
@@ -1168,7 +1168,7 @@
           <a:p>
             <a:fld id="{F0E6C06A-9473-411E-8CE3-650520240B77}" type="datetime1">
               <a:rPr lang="en-US" smtClean="0"/>
-              <a:t>12/20/2017</a:t>
+              <a:t>12/20/17</a:t>
             </a:fld>
             <a:endParaRPr lang="en-US"/>
           </a:p>
@@ -1450,7 +1450,7 @@
           <a:p>
             <a:fld id="{B21C8377-8E81-460C-AB72-028B4601DA85}" type="datetime1">
               <a:rPr lang="en-US" smtClean="0"/>
-              <a:t>12/20/2017</a:t>
+              <a:t>12/20/17</a:t>
             </a:fld>
             <a:endParaRPr lang="en-US"/>
           </a:p>
@@ -1811,7 +1811,7 @@
           <a:p>
             <a:fld id="{CE594D2B-04F4-4CA3-921A-A9AF74AE2F8A}" type="datetime1">
               <a:rPr lang="en-US" smtClean="0"/>
-              <a:t>12/20/2017</a:t>
+              <a:t>12/20/17</a:t>
             </a:fld>
             <a:endParaRPr lang="en-US"/>
           </a:p>
@@ -2111,7 +2111,7 @@
           <a:p>
             <a:fld id="{B14E0546-907F-492A-91D1-646C22DEB01B}" type="datetime1">
               <a:rPr lang="en-US" smtClean="0"/>
-              <a:t>12/20/2017</a:t>
+              <a:t>12/20/17</a:t>
             </a:fld>
             <a:endParaRPr lang="en-US"/>
           </a:p>
@@ -2626,7 +2626,7 @@
           <a:p>
             <a:fld id="{16B2D5CB-8810-4F19-8552-8AFEA8288AA2}" type="datetime1">
               <a:rPr lang="en-US" smtClean="0"/>
-              <a:t>12/20/2017</a:t>
+              <a:t>12/20/17</a:t>
             </a:fld>
             <a:endParaRPr lang="en-US"/>
           </a:p>
@@ -3271,7 +3271,7 @@
           <a:p>
             <a:fld id="{5044DCCE-4A04-4AF9-9737-55C5F7E87654}" type="datetime1">
               <a:rPr lang="en-US" smtClean="0"/>
-              <a:t>12/20/2017</a:t>
+              <a:t>12/20/17</a:t>
             </a:fld>
             <a:endParaRPr lang="en-US"/>
           </a:p>
@@ -3496,7 +3496,7 @@
           <a:p>
             <a:fld id="{3E02707F-FFB4-478F-8DFC-BB06A646DB6A}" type="datetime1">
               <a:rPr lang="en-US" smtClean="0"/>
-              <a:t>12/20/2017</a:t>
+              <a:t>12/20/17</a:t>
             </a:fld>
             <a:endParaRPr lang="en-US"/>
           </a:p>
@@ -3637,7 +3637,7 @@
           <a:p>
             <a:fld id="{6C739A33-EF30-4FF1-821E-65D6125FD78F}" type="datetime1">
               <a:rPr lang="en-US" smtClean="0"/>
-              <a:t>12/20/2017</a:t>
+              <a:t>12/20/17</a:t>
             </a:fld>
             <a:endParaRPr lang="en-US"/>
           </a:p>
@@ -3974,7 +3974,7 @@
           <a:p>
             <a:fld id="{43B57161-CF01-43B5-B15B-DBDB4C5307E0}" type="datetime1">
               <a:rPr lang="en-US" smtClean="0"/>
-              <a:t>12/20/2017</a:t>
+              <a:t>12/20/17</a:t>
             </a:fld>
             <a:endParaRPr lang="en-US"/>
           </a:p>
@@ -4231,7 +4231,7 @@
           <a:p>
             <a:fld id="{2C25BE8E-1686-4A9E-9476-1FA8629C5A3B}" type="datetime1">
               <a:rPr lang="en-US" smtClean="0"/>
-              <a:t>12/20/2017</a:t>
+              <a:t>12/20/17</a:t>
             </a:fld>
             <a:endParaRPr lang="en-US"/>
           </a:p>
@@ -4444,7 +4444,7 @@
           <a:p>
             <a:fld id="{16DAFF32-DDD0-42D7-831F-4E1EE6CD6B73}" type="datetime1">
               <a:rPr lang="en-US" smtClean="0"/>
-              <a:t>12/20/2017</a:t>
+              <a:t>12/20/17</a:t>
             </a:fld>
             <a:endParaRPr lang="en-US"/>
           </a:p>
@@ -4860,7 +4860,7 @@
         <p:spPr>
           <a:xfrm>
             <a:off x="605289" y="672860"/>
-            <a:ext cx="10515600" cy="2078966"/>
+            <a:ext cx="10515600" cy="3120664"/>
           </a:xfrm>
         </p:spPr>
         <p:txBody>
@@ -4870,17 +4870,36 @@
           <a:lstStyle/>
           <a:p>
             <a:r>
+              <a:rPr lang="en-US" sz="6000" dirty="0" smtClean="0"/>
+              <a:t>The Coffee Shop</a:t>
+            </a:r>
+            <a:r>
               <a:rPr lang="en-US" dirty="0" smtClean="0"/>
-              <a:t>The Coffee Shop</a:t>
+              <a:t/>
             </a:r>
             <a:br>
               <a:rPr lang="en-US" dirty="0" smtClean="0"/>
             </a:br>
             <a:r>
-              <a:rPr lang="en-US" dirty="0" err="1" smtClean="0"/>
+              <a:rPr lang="en-US" dirty="0" smtClean="0"/>
+              <a:t/>
+            </a:r>
+            <a:br>
+              <a:rPr lang="en-US" dirty="0" smtClean="0"/>
+            </a:br>
+            <a:r>
+              <a:rPr lang="en-US" dirty="0" smtClean="0"/>
+              <a:t>                                                     </a:t>
+            </a:r>
+            <a:r>
+              <a:rPr lang="en-US" sz="4400" dirty="0" smtClean="0"/>
+              <a:t>@</a:t>
+            </a:r>
+            <a:r>
+              <a:rPr lang="en-US" sz="4400" dirty="0" err="1" smtClean="0"/>
               <a:t>SaFaVi</a:t>
             </a:r>
-            <a:endParaRPr lang="en-US" dirty="0"/>
+            <a:endParaRPr lang="en-US" sz="4400" dirty="0"/>
           </a:p>
         </p:txBody>
       </p:sp>
@@ -4989,7 +5008,12 @@
             <p:ph type="title"/>
           </p:nvPr>
         </p:nvSpPr>
-        <p:spPr/>
+        <p:spPr>
+          <a:xfrm>
+            <a:off x="604434" y="12357"/>
+            <a:ext cx="10749367" cy="1208868"/>
+          </a:xfrm>
+        </p:spPr>
         <p:txBody>
           <a:bodyPr/>
           <a:lstStyle/>
@@ -5015,7 +5039,7 @@
         <p:spPr>
           <a:xfrm>
             <a:off x="1148751" y="1742538"/>
-            <a:ext cx="3552645" cy="3588588"/>
+            <a:ext cx="3552645" cy="4139278"/>
           </a:xfrm>
         </p:spPr>
         <p:txBody>
@@ -5074,31 +5098,9 @@
             </a:pPr>
             <a:r>
               <a:rPr lang="en-US" sz="2400" dirty="0" smtClean="0"/>
-              <a:t>Internalization</a:t>
-            </a:r>
-          </a:p>
-        </p:txBody>
-      </p:sp>
-      <p:sp>
-        <p:nvSpPr>
-          <p:cNvPr id="7" name="Slide Number Placeholder 6"/>
-          <p:cNvSpPr>
-            <a:spLocks noGrp="1"/>
-          </p:cNvSpPr>
-          <p:nvPr>
-            <p:ph type="sldNum" sz="quarter" idx="12"/>
-          </p:nvPr>
-        </p:nvSpPr>
-        <p:spPr/>
-        <p:txBody>
-          <a:bodyPr/>
-          <a:lstStyle/>
-          <a:p>
-            <a:fld id="{9860EDB8-5305-433F-BE41-D7A86D811DB3}" type="slidenum">
-              <a:rPr lang="en-US" smtClean="0"/>
-              <a:t>2</a:t>
-            </a:fld>
-            <a:endParaRPr lang="en-US"/>
+              <a:t>Localization</a:t>
+            </a:r>
+            <a:endParaRPr lang="en-US" sz="2400" dirty="0" smtClean="0"/>
           </a:p>
         </p:txBody>
       </p:sp>
@@ -5112,8 +5114,8 @@
         </p:nvSpPr>
         <p:spPr>
           <a:xfrm>
-            <a:off x="5303808" y="1742538"/>
-            <a:ext cx="3552645" cy="3001990"/>
+            <a:off x="5696465" y="1742538"/>
+            <a:ext cx="5177481" cy="3904500"/>
           </a:xfrm>
           <a:prstGeom prst="rect">
             <a:avLst/>
@@ -5318,7 +5320,7 @@
               <a:buChar char="•"/>
             </a:pPr>
             <a:r>
-              <a:rPr lang="en-US" sz="2400" smtClean="0"/>
+              <a:rPr lang="en-US" sz="2400" dirty="0" smtClean="0"/>
               <a:t>REST/AJAX</a:t>
             </a:r>
           </a:p>
@@ -5339,8 +5341,13 @@
             </a:pPr>
             <a:r>
               <a:rPr lang="en-US" sz="2400" dirty="0" smtClean="0"/>
-              <a:t>HTTP multipart request </a:t>
-            </a:r>
+              <a:t>HTTP </a:t>
+            </a:r>
+            <a:r>
+              <a:rPr lang="en-US" sz="2400" dirty="0" smtClean="0"/>
+              <a:t>Multipart Request (file upload)</a:t>
+            </a:r>
+            <a:endParaRPr lang="en-US" sz="2400" dirty="0" smtClean="0"/>
           </a:p>
           <a:p>
             <a:pPr marL="285750" indent="-285750">
@@ -5352,9 +5359,14 @@
               <a:t>Git</a:t>
             </a:r>
             <a:r>
-              <a:rPr lang="en-US" sz="2400" dirty="0" smtClean="0"/>
-              <a:t> Hub</a:t>
-            </a:r>
+              <a:rPr lang="en-US" sz="2400" dirty="0" err="1"/>
+              <a:t>h</a:t>
+            </a:r>
+            <a:r>
+              <a:rPr lang="en-US" sz="2400" dirty="0" err="1" smtClean="0"/>
+              <a:t>ub</a:t>
+            </a:r>
+            <a:endParaRPr lang="en-US" sz="2400" dirty="0" smtClean="0"/>
           </a:p>
           <a:p>
             <a:endParaRPr lang="en-US" sz="2400" dirty="0"/>
@@ -5606,30 +5618,35 @@
           </a:p>
         </p:txBody>
       </p:sp>
-      <p:sp>
-        <p:nvSpPr>
-          <p:cNvPr id="4" name="Content Placeholder 3"/>
-          <p:cNvSpPr>
-            <a:spLocks noGrp="1"/>
-          </p:cNvSpPr>
+      <p:pic>
+        <p:nvPicPr>
+          <p:cNvPr id="7" name="Content Placeholder 6"/>
+          <p:cNvPicPr>
+            <a:picLocks noGrp="1" noChangeAspect="1"/>
+          </p:cNvPicPr>
           <p:nvPr>
             <p:ph idx="1"/>
           </p:nvPr>
-        </p:nvSpPr>
+        </p:nvPicPr>
+        <p:blipFill>
+          <a:blip r:embed="rId2">
+            <a:extLst>
+              <a:ext uri="{28A0092B-C50C-407E-A947-70E740481C1C}">
+                <a14:useLocalDpi xmlns:a14="http://schemas.microsoft.com/office/drawing/2010/main" val="0"/>
+              </a:ext>
+            </a:extLst>
+          </a:blip>
+          <a:stretch>
+            <a:fillRect/>
+          </a:stretch>
+        </p:blipFill>
         <p:spPr>
           <a:xfrm>
-            <a:off x="838201" y="1825625"/>
-            <a:ext cx="8607724" cy="4351338"/>
+            <a:off x="672517" y="1618735"/>
+            <a:ext cx="10708055" cy="4951996"/>
           </a:xfrm>
         </p:spPr>
-        <p:txBody>
-          <a:bodyPr/>
-          <a:lstStyle/>
-          <a:p>
-            <a:endParaRPr lang="en-US" dirty="0"/>
-          </a:p>
-        </p:txBody>
-      </p:sp>
+      </p:pic>
       <p:sp>
         <p:nvSpPr>
           <p:cNvPr id="6" name="Slide Number Placeholder 5"/>
@@ -5715,36 +5732,45 @@
           <a:p>
             <a:r>
               <a:rPr lang="en-US" dirty="0" smtClean="0"/>
-              <a:t>Class Diagram</a:t>
+              <a:t>Domain Class </a:t>
+            </a:r>
+            <a:r>
+              <a:rPr lang="en-US" dirty="0" smtClean="0"/>
+              <a:t>Diagram</a:t>
             </a:r>
             <a:endParaRPr lang="en-US" dirty="0"/>
           </a:p>
         </p:txBody>
       </p:sp>
-      <p:sp>
-        <p:nvSpPr>
-          <p:cNvPr id="4" name="Content Placeholder 3"/>
-          <p:cNvSpPr>
-            <a:spLocks noGrp="1"/>
-          </p:cNvSpPr>
+      <p:pic>
+        <p:nvPicPr>
+          <p:cNvPr id="5" name="Content Placeholder 4"/>
+          <p:cNvPicPr>
+            <a:picLocks noGrp="1" noChangeAspect="1"/>
+          </p:cNvPicPr>
           <p:nvPr>
             <p:ph idx="1"/>
           </p:nvPr>
-        </p:nvSpPr>
+        </p:nvPicPr>
+        <p:blipFill>
+          <a:blip r:embed="rId2">
+            <a:extLst>
+              <a:ext uri="{28A0092B-C50C-407E-A947-70E740481C1C}">
+                <a14:useLocalDpi xmlns:a14="http://schemas.microsoft.com/office/drawing/2010/main" val="0"/>
+              </a:ext>
+            </a:extLst>
+          </a:blip>
+          <a:stretch>
+            <a:fillRect/>
+          </a:stretch>
+        </p:blipFill>
         <p:spPr>
           <a:xfrm>
-            <a:off x="838201" y="1825625"/>
-            <a:ext cx="8607724" cy="4351338"/>
+            <a:off x="697981" y="2150077"/>
+            <a:ext cx="10560011" cy="4399004"/>
           </a:xfrm>
         </p:spPr>
-        <p:txBody>
-          <a:bodyPr/>
-          <a:lstStyle/>
-          <a:p>
-            <a:endParaRPr lang="en-US" dirty="0"/>
-          </a:p>
-        </p:txBody>
-      </p:sp>
+      </p:pic>
       <p:sp>
         <p:nvSpPr>
           <p:cNvPr id="3" name="Slide Number Placeholder 2"/>
@@ -5778,11 +5804,11 @@
   <p:clrMapOvr>
     <a:masterClrMapping/>
   </p:clrMapOvr>
-  <mc:AlternateContent xmlns:mc="http://schemas.openxmlformats.org/markup-compatibility/2006">
-    <mc:Choice xmlns:p14="http://schemas.microsoft.com/office/powerpoint/2010/main" Requires="p14">
+  <mc:AlternateContent xmlns:mc="http://schemas.openxmlformats.org/markup-compatibility/2006" xmlns:p14="http://schemas.microsoft.com/office/powerpoint/2010/main">
+    <mc:Choice Requires="p14">
       <p:transition p14:dur="0"/>
     </mc:Choice>
-    <mc:Fallback>
+    <mc:Fallback xmlns="">
       <p:transition/>
     </mc:Fallback>
   </mc:AlternateContent>

--- a/The Coffee Shop.pptx
+++ b/The Coffee Shop.pptx
@@ -9,8 +9,8 @@
   </p:notesMasterIdLst>
   <p:sldIdLst>
     <p:sldId id="256" r:id="rId3"/>
-    <p:sldId id="262" r:id="rId4"/>
-    <p:sldId id="257" r:id="rId5"/>
+    <p:sldId id="257" r:id="rId4"/>
+    <p:sldId id="262" r:id="rId5"/>
     <p:sldId id="264" r:id="rId6"/>
     <p:sldId id="265" r:id="rId7"/>
     <p:sldId id="263" r:id="rId8"/>
@@ -122,8 +122,8 @@
         </p14:section>
         <p14:section name="Design, Impress, Work Together" id="{B9B51309-D148-4332-87C2-07BE32FBCA3B}">
           <p14:sldIdLst>
+            <p14:sldId id="257"/>
             <p14:sldId id="262"/>
-            <p14:sldId id="257"/>
             <p14:sldId id="264"/>
             <p14:sldId id="265"/>
           </p14:sldIdLst>
@@ -5008,6 +5008,183 @@
             <p:ph type="title"/>
           </p:nvPr>
         </p:nvSpPr>
+        <p:spPr/>
+        <p:txBody>
+          <a:bodyPr/>
+          <a:lstStyle/>
+          <a:p>
+            <a:r>
+              <a:rPr lang="en-US" dirty="0" smtClean="0"/>
+              <a:t>Features</a:t>
+            </a:r>
+            <a:endParaRPr lang="en-US" dirty="0"/>
+          </a:p>
+        </p:txBody>
+      </p:sp>
+      <p:sp>
+        <p:nvSpPr>
+          <p:cNvPr id="3" name="Content Placeholder 2"/>
+          <p:cNvSpPr>
+            <a:spLocks noGrp="1"/>
+          </p:cNvSpPr>
+          <p:nvPr>
+            <p:ph idx="1"/>
+          </p:nvPr>
+        </p:nvSpPr>
+        <p:spPr>
+          <a:xfrm>
+            <a:off x="1053861" y="1756614"/>
+            <a:ext cx="6093884" cy="4255998"/>
+          </a:xfrm>
+        </p:spPr>
+        <p:txBody>
+          <a:bodyPr>
+            <a:noAutofit/>
+          </a:bodyPr>
+          <a:lstStyle/>
+          <a:p>
+            <a:pPr marL="285750" indent="-285750">
+              <a:buFont typeface="Arial" panose="020B0604020202020204" pitchFamily="34" charset="0"/>
+              <a:buChar char="•"/>
+            </a:pPr>
+            <a:r>
+              <a:rPr lang="en-US" sz="2400" dirty="0" smtClean="0"/>
+              <a:t>Product Management</a:t>
+            </a:r>
+          </a:p>
+          <a:p>
+            <a:pPr marL="285750" indent="-285750">
+              <a:buFont typeface="Arial" panose="020B0604020202020204" pitchFamily="34" charset="0"/>
+              <a:buChar char="•"/>
+            </a:pPr>
+            <a:r>
+              <a:rPr lang="en-US" sz="2400" dirty="0" smtClean="0"/>
+              <a:t>Product Category Management</a:t>
+            </a:r>
+          </a:p>
+          <a:p>
+            <a:pPr marL="285750" indent="-285750">
+              <a:buFont typeface="Arial" panose="020B0604020202020204" pitchFamily="34" charset="0"/>
+              <a:buChar char="•"/>
+            </a:pPr>
+            <a:r>
+              <a:rPr lang="en-US" sz="2400" dirty="0" smtClean="0"/>
+              <a:t>Order Management</a:t>
+            </a:r>
+          </a:p>
+          <a:p>
+            <a:pPr marL="285750" indent="-285750">
+              <a:buFont typeface="Arial" panose="020B0604020202020204" pitchFamily="34" charset="0"/>
+              <a:buChar char="•"/>
+            </a:pPr>
+            <a:r>
+              <a:rPr lang="en-US" sz="2400" dirty="0" smtClean="0"/>
+              <a:t>User Management – Registration</a:t>
+            </a:r>
+          </a:p>
+          <a:p>
+            <a:pPr marL="285750" indent="-285750">
+              <a:buFont typeface="Arial" panose="020B0604020202020204" pitchFamily="34" charset="0"/>
+              <a:buChar char="•"/>
+            </a:pPr>
+            <a:r>
+              <a:rPr lang="en-US" sz="2400" dirty="0" smtClean="0"/>
+              <a:t>Authentication - Authorization</a:t>
+            </a:r>
+          </a:p>
+          <a:p>
+            <a:pPr marL="285750" indent="-285750">
+              <a:buFont typeface="Arial" panose="020B0604020202020204" pitchFamily="34" charset="0"/>
+              <a:buChar char="•"/>
+            </a:pPr>
+            <a:endParaRPr lang="en-US" sz="2400" dirty="0" smtClean="0"/>
+          </a:p>
+          <a:p>
+            <a:endParaRPr lang="en-US" sz="2400" dirty="0" smtClean="0"/>
+          </a:p>
+          <a:p>
+            <a:endParaRPr lang="en-US" sz="2400" dirty="0"/>
+          </a:p>
+        </p:txBody>
+      </p:sp>
+      <p:sp>
+        <p:nvSpPr>
+          <p:cNvPr id="4" name="Slide Number Placeholder 3"/>
+          <p:cNvSpPr>
+            <a:spLocks noGrp="1"/>
+          </p:cNvSpPr>
+          <p:nvPr>
+            <p:ph type="sldNum" sz="quarter" idx="12"/>
+          </p:nvPr>
+        </p:nvSpPr>
+        <p:spPr/>
+        <p:txBody>
+          <a:bodyPr/>
+          <a:lstStyle/>
+          <a:p>
+            <a:fld id="{9860EDB8-5305-433F-BE41-D7A86D811DB3}" type="slidenum">
+              <a:rPr lang="en-US" smtClean="0"/>
+              <a:t>2</a:t>
+            </a:fld>
+            <a:endParaRPr lang="en-US"/>
+          </a:p>
+        </p:txBody>
+      </p:sp>
+    </p:spTree>
+    <p:extLst>
+      <p:ext uri="{BB962C8B-B14F-4D97-AF65-F5344CB8AC3E}">
+        <p14:creationId xmlns:p14="http://schemas.microsoft.com/office/powerpoint/2010/main" val="1328676004"/>
+      </p:ext>
+    </p:extLst>
+  </p:cSld>
+  <p:clrMapOvr>
+    <a:masterClrMapping/>
+  </p:clrMapOvr>
+  <mc:AlternateContent xmlns:mc="http://schemas.openxmlformats.org/markup-compatibility/2006" xmlns:p14="http://schemas.microsoft.com/office/powerpoint/2010/main">
+    <mc:Choice Requires="p14">
+      <p:transition p14:dur="0"/>
+    </mc:Choice>
+    <mc:Fallback xmlns="">
+      <p:transition/>
+    </mc:Fallback>
+  </mc:AlternateContent>
+  <p:timing>
+    <p:tnLst>
+      <p:par>
+        <p:cTn id="1" dur="indefinite" restart="never" nodeType="tmRoot"/>
+      </p:par>
+    </p:tnLst>
+  </p:timing>
+</p:sld>
+</file>
+
+<file path=ppt/slides/slide3.xml><?xml version="1.0" encoding="utf-8"?>
+<p:sld xmlns:a="http://schemas.openxmlformats.org/drawingml/2006/main" xmlns:r="http://schemas.openxmlformats.org/officeDocument/2006/relationships" xmlns:p="http://schemas.openxmlformats.org/presentationml/2006/main">
+  <p:cSld>
+    <p:spTree>
+      <p:nvGrpSpPr>
+        <p:cNvPr id="1" name=""/>
+        <p:cNvGrpSpPr/>
+        <p:nvPr/>
+      </p:nvGrpSpPr>
+      <p:grpSpPr>
+        <a:xfrm>
+          <a:off x="0" y="0"/>
+          <a:ext cx="0" cy="0"/>
+          <a:chOff x="0" y="0"/>
+          <a:chExt cx="0" cy="0"/>
+        </a:xfrm>
+      </p:grpSpPr>
+      <p:sp>
+        <p:nvSpPr>
+          <p:cNvPr id="2" name="Title 1"/>
+          <p:cNvSpPr>
+            <a:spLocks noGrp="1"/>
+          </p:cNvSpPr>
+          <p:nvPr>
+            <p:ph type="title"/>
+          </p:nvPr>
+        </p:nvSpPr>
         <p:spPr>
           <a:xfrm>
             <a:off x="604434" y="12357"/>
@@ -5100,7 +5277,6 @@
               <a:rPr lang="en-US" sz="2400" dirty="0" smtClean="0"/>
               <a:t>Localization</a:t>
             </a:r>
-            <a:endParaRPr lang="en-US" sz="2400" dirty="0" smtClean="0"/>
           </a:p>
         </p:txBody>
       </p:sp>
@@ -5341,13 +5517,8 @@
             </a:pPr>
             <a:r>
               <a:rPr lang="en-US" sz="2400" dirty="0" smtClean="0"/>
-              <a:t>HTTP </a:t>
-            </a:r>
-            <a:r>
-              <a:rPr lang="en-US" sz="2400" dirty="0" smtClean="0"/>
-              <a:t>Multipart Request (file upload)</a:t>
-            </a:r>
-            <a:endParaRPr lang="en-US" sz="2400" dirty="0" smtClean="0"/>
+              <a:t>HTTP Multipart Request (file upload)</a:t>
+            </a:r>
           </a:p>
           <a:p>
             <a:pPr marL="285750" indent="-285750">
@@ -5377,183 +5548,6 @@
     <p:extLst>
       <p:ext uri="{BB962C8B-B14F-4D97-AF65-F5344CB8AC3E}">
         <p14:creationId xmlns:p14="http://schemas.microsoft.com/office/powerpoint/2010/main" val="2090733893"/>
-      </p:ext>
-    </p:extLst>
-  </p:cSld>
-  <p:clrMapOvr>
-    <a:masterClrMapping/>
-  </p:clrMapOvr>
-  <mc:AlternateContent xmlns:mc="http://schemas.openxmlformats.org/markup-compatibility/2006" xmlns:p14="http://schemas.microsoft.com/office/powerpoint/2010/main">
-    <mc:Choice Requires="p14">
-      <p:transition p14:dur="0"/>
-    </mc:Choice>
-    <mc:Fallback xmlns="">
-      <p:transition/>
-    </mc:Fallback>
-  </mc:AlternateContent>
-  <p:timing>
-    <p:tnLst>
-      <p:par>
-        <p:cTn id="1" dur="indefinite" restart="never" nodeType="tmRoot"/>
-      </p:par>
-    </p:tnLst>
-  </p:timing>
-</p:sld>
-</file>
-
-<file path=ppt/slides/slide3.xml><?xml version="1.0" encoding="utf-8"?>
-<p:sld xmlns:a="http://schemas.openxmlformats.org/drawingml/2006/main" xmlns:r="http://schemas.openxmlformats.org/officeDocument/2006/relationships" xmlns:p="http://schemas.openxmlformats.org/presentationml/2006/main">
-  <p:cSld>
-    <p:spTree>
-      <p:nvGrpSpPr>
-        <p:cNvPr id="1" name=""/>
-        <p:cNvGrpSpPr/>
-        <p:nvPr/>
-      </p:nvGrpSpPr>
-      <p:grpSpPr>
-        <a:xfrm>
-          <a:off x="0" y="0"/>
-          <a:ext cx="0" cy="0"/>
-          <a:chOff x="0" y="0"/>
-          <a:chExt cx="0" cy="0"/>
-        </a:xfrm>
-      </p:grpSpPr>
-      <p:sp>
-        <p:nvSpPr>
-          <p:cNvPr id="2" name="Title 1"/>
-          <p:cNvSpPr>
-            <a:spLocks noGrp="1"/>
-          </p:cNvSpPr>
-          <p:nvPr>
-            <p:ph type="title"/>
-          </p:nvPr>
-        </p:nvSpPr>
-        <p:spPr/>
-        <p:txBody>
-          <a:bodyPr/>
-          <a:lstStyle/>
-          <a:p>
-            <a:r>
-              <a:rPr lang="en-US" dirty="0" smtClean="0"/>
-              <a:t>Features</a:t>
-            </a:r>
-            <a:endParaRPr lang="en-US" dirty="0"/>
-          </a:p>
-        </p:txBody>
-      </p:sp>
-      <p:sp>
-        <p:nvSpPr>
-          <p:cNvPr id="3" name="Content Placeholder 2"/>
-          <p:cNvSpPr>
-            <a:spLocks noGrp="1"/>
-          </p:cNvSpPr>
-          <p:nvPr>
-            <p:ph idx="1"/>
-          </p:nvPr>
-        </p:nvSpPr>
-        <p:spPr>
-          <a:xfrm>
-            <a:off x="1053861" y="1756614"/>
-            <a:ext cx="6093884" cy="4255998"/>
-          </a:xfrm>
-        </p:spPr>
-        <p:txBody>
-          <a:bodyPr>
-            <a:noAutofit/>
-          </a:bodyPr>
-          <a:lstStyle/>
-          <a:p>
-            <a:pPr marL="285750" indent="-285750">
-              <a:buFont typeface="Arial" panose="020B0604020202020204" pitchFamily="34" charset="0"/>
-              <a:buChar char="•"/>
-            </a:pPr>
-            <a:r>
-              <a:rPr lang="en-US" sz="2400" dirty="0" smtClean="0"/>
-              <a:t>Product Management</a:t>
-            </a:r>
-          </a:p>
-          <a:p>
-            <a:pPr marL="285750" indent="-285750">
-              <a:buFont typeface="Arial" panose="020B0604020202020204" pitchFamily="34" charset="0"/>
-              <a:buChar char="•"/>
-            </a:pPr>
-            <a:r>
-              <a:rPr lang="en-US" sz="2400" dirty="0" smtClean="0"/>
-              <a:t>Product Category Management</a:t>
-            </a:r>
-          </a:p>
-          <a:p>
-            <a:pPr marL="285750" indent="-285750">
-              <a:buFont typeface="Arial" panose="020B0604020202020204" pitchFamily="34" charset="0"/>
-              <a:buChar char="•"/>
-            </a:pPr>
-            <a:r>
-              <a:rPr lang="en-US" sz="2400" dirty="0" smtClean="0"/>
-              <a:t>Order Management</a:t>
-            </a:r>
-          </a:p>
-          <a:p>
-            <a:pPr marL="285750" indent="-285750">
-              <a:buFont typeface="Arial" panose="020B0604020202020204" pitchFamily="34" charset="0"/>
-              <a:buChar char="•"/>
-            </a:pPr>
-            <a:r>
-              <a:rPr lang="en-US" sz="2400" dirty="0" smtClean="0"/>
-              <a:t>User Management – Registration</a:t>
-            </a:r>
-          </a:p>
-          <a:p>
-            <a:pPr marL="285750" indent="-285750">
-              <a:buFont typeface="Arial" panose="020B0604020202020204" pitchFamily="34" charset="0"/>
-              <a:buChar char="•"/>
-            </a:pPr>
-            <a:r>
-              <a:rPr lang="en-US" sz="2400" dirty="0" smtClean="0"/>
-              <a:t>Authentication - Authorization</a:t>
-            </a:r>
-          </a:p>
-          <a:p>
-            <a:pPr marL="285750" indent="-285750">
-              <a:buFont typeface="Arial" panose="020B0604020202020204" pitchFamily="34" charset="0"/>
-              <a:buChar char="•"/>
-            </a:pPr>
-            <a:endParaRPr lang="en-US" sz="2400" dirty="0" smtClean="0"/>
-          </a:p>
-          <a:p>
-            <a:endParaRPr lang="en-US" sz="2400" dirty="0" smtClean="0"/>
-          </a:p>
-          <a:p>
-            <a:endParaRPr lang="en-US" sz="2400" dirty="0"/>
-          </a:p>
-        </p:txBody>
-      </p:sp>
-      <p:sp>
-        <p:nvSpPr>
-          <p:cNvPr id="4" name="Slide Number Placeholder 3"/>
-          <p:cNvSpPr>
-            <a:spLocks noGrp="1"/>
-          </p:cNvSpPr>
-          <p:nvPr>
-            <p:ph type="sldNum" sz="quarter" idx="12"/>
-          </p:nvPr>
-        </p:nvSpPr>
-        <p:spPr/>
-        <p:txBody>
-          <a:bodyPr/>
-          <a:lstStyle/>
-          <a:p>
-            <a:fld id="{9860EDB8-5305-433F-BE41-D7A86D811DB3}" type="slidenum">
-              <a:rPr lang="en-US" smtClean="0"/>
-              <a:t>3</a:t>
-            </a:fld>
-            <a:endParaRPr lang="en-US"/>
-          </a:p>
-        </p:txBody>
-      </p:sp>
-    </p:spTree>
-    <p:extLst>
-      <p:ext uri="{BB962C8B-B14F-4D97-AF65-F5344CB8AC3E}">
-        <p14:creationId xmlns:p14="http://schemas.microsoft.com/office/powerpoint/2010/main" val="1328676004"/>
       </p:ext>
     </p:extLst>
   </p:cSld>
@@ -5732,11 +5726,7 @@
           <a:p>
             <a:r>
               <a:rPr lang="en-US" dirty="0" smtClean="0"/>
-              <a:t>Domain Class </a:t>
-            </a:r>
-            <a:r>
-              <a:rPr lang="en-US" dirty="0" smtClean="0"/>
-              <a:t>Diagram</a:t>
+              <a:t>Domain Class Diagram</a:t>
             </a:r>
             <a:endParaRPr lang="en-US" dirty="0"/>
           </a:p>

--- a/The Coffee Shop.pptx
+++ b/The Coffee Shop.pptx
@@ -9,11 +9,11 @@
   </p:notesMasterIdLst>
   <p:sldIdLst>
     <p:sldId id="256" r:id="rId3"/>
-    <p:sldId id="257" r:id="rId4"/>
-    <p:sldId id="262" r:id="rId5"/>
-    <p:sldId id="264" r:id="rId6"/>
-    <p:sldId id="265" r:id="rId7"/>
-    <p:sldId id="263" r:id="rId8"/>
+    <p:sldId id="266" r:id="rId4"/>
+    <p:sldId id="257" r:id="rId5"/>
+    <p:sldId id="262" r:id="rId6"/>
+    <p:sldId id="264" r:id="rId7"/>
+    <p:sldId id="265" r:id="rId8"/>
   </p:sldIdLst>
   <p:sldSz cx="12192000" cy="6858000"/>
   <p:notesSz cx="6858000" cy="9144000"/>
@@ -122,6 +122,7 @@
         </p14:section>
         <p14:section name="Design, Impress, Work Together" id="{B9B51309-D148-4332-87C2-07BE32FBCA3B}">
           <p14:sldIdLst>
+            <p14:sldId id="266"/>
             <p14:sldId id="257"/>
             <p14:sldId id="262"/>
             <p14:sldId id="264"/>
@@ -129,9 +130,7 @@
           </p14:sldIdLst>
         </p14:section>
         <p14:section name="Learn More" id="{2CC34DB2-6590-42C0-AD4B-A04C6060184E}">
-          <p14:sldIdLst>
-            <p14:sldId id="263"/>
-          </p14:sldIdLst>
+          <p14:sldIdLst/>
         </p14:section>
       </p14:sectionLst>
     </p:ext>
@@ -241,7 +240,7 @@
           <a:p>
             <a:fld id="{EC13577B-6902-467D-A26C-08A0DD5E4E03}" type="datetimeFigureOut">
               <a:rPr lang="en-US" smtClean="0"/>
-              <a:t>12/20/17</a:t>
+              <a:t>12/21/2017</a:t>
             </a:fld>
             <a:endParaRPr lang="en-US"/>
           </a:p>
@@ -598,103 +597,6 @@
 </p:notes>
 </file>
 
-<file path=ppt/notesSlides/notesSlide2.xml><?xml version="1.0" encoding="utf-8"?>
-<p:notes xmlns:a="http://schemas.openxmlformats.org/drawingml/2006/main" xmlns:r="http://schemas.openxmlformats.org/officeDocument/2006/relationships" xmlns:p="http://schemas.openxmlformats.org/presentationml/2006/main">
-  <p:cSld>
-    <p:spTree>
-      <p:nvGrpSpPr>
-        <p:cNvPr id="1" name=""/>
-        <p:cNvGrpSpPr/>
-        <p:nvPr/>
-      </p:nvGrpSpPr>
-      <p:grpSpPr>
-        <a:xfrm>
-          <a:off x="0" y="0"/>
-          <a:ext cx="0" cy="0"/>
-          <a:chOff x="0" y="0"/>
-          <a:chExt cx="0" cy="0"/>
-        </a:xfrm>
-      </p:grpSpPr>
-      <p:sp>
-        <p:nvSpPr>
-          <p:cNvPr id="2" name="Slide Image Placeholder 1"/>
-          <p:cNvSpPr>
-            <a:spLocks noGrp="1" noRot="1" noChangeAspect="1"/>
-          </p:cNvSpPr>
-          <p:nvPr>
-            <p:ph type="sldImg"/>
-          </p:nvPr>
-        </p:nvSpPr>
-        <p:spPr>
-          <a:xfrm>
-            <a:off x="685800" y="1143000"/>
-            <a:ext cx="5486400" cy="3086100"/>
-          </a:xfrm>
-        </p:spPr>
-      </p:sp>
-      <p:sp>
-        <p:nvSpPr>
-          <p:cNvPr id="3" name="Notes Placeholder 2"/>
-          <p:cNvSpPr>
-            <a:spLocks noGrp="1"/>
-          </p:cNvSpPr>
-          <p:nvPr>
-            <p:ph type="body" idx="1"/>
-          </p:nvPr>
-        </p:nvSpPr>
-        <p:spPr/>
-        <p:txBody>
-          <a:bodyPr/>
-          <a:lstStyle/>
-          <a:p>
-            <a:r>
-              <a:rPr lang="en-US" dirty="0" smtClean="0"/>
-              <a:t>In </a:t>
-            </a:r>
-            <a:r>
-              <a:rPr lang="en-US" baseline="0" dirty="0" smtClean="0"/>
-              <a:t>Slide Show mode, click the arrow to enter the PowerPoint Getting Started Center.</a:t>
-            </a:r>
-            <a:endParaRPr lang="en-US" dirty="0"/>
-          </a:p>
-        </p:txBody>
-      </p:sp>
-      <p:sp>
-        <p:nvSpPr>
-          <p:cNvPr id="4" name="Slide Number Placeholder 3"/>
-          <p:cNvSpPr>
-            <a:spLocks noGrp="1"/>
-          </p:cNvSpPr>
-          <p:nvPr>
-            <p:ph type="sldNum" sz="quarter" idx="10"/>
-          </p:nvPr>
-        </p:nvSpPr>
-        <p:spPr/>
-        <p:txBody>
-          <a:bodyPr/>
-          <a:lstStyle/>
-          <a:p>
-            <a:fld id="{DF61EA0F-A667-4B49-8422-0062BC55E249}" type="slidenum">
-              <a:rPr lang="en-US" smtClean="0"/>
-              <a:t>6</a:t>
-            </a:fld>
-            <a:endParaRPr lang="en-US"/>
-          </a:p>
-        </p:txBody>
-      </p:sp>
-    </p:spTree>
-    <p:extLst>
-      <p:ext uri="{BB962C8B-B14F-4D97-AF65-F5344CB8AC3E}">
-        <p14:creationId xmlns:p14="http://schemas.microsoft.com/office/powerpoint/2010/main" val="1851196112"/>
-      </p:ext>
-    </p:extLst>
-  </p:cSld>
-  <p:clrMapOvr>
-    <a:masterClrMapping/>
-  </p:clrMapOvr>
-</p:notes>
-</file>
-
 <file path=ppt/slideLayouts/slideLayout1.xml><?xml version="1.0" encoding="utf-8"?>
 <p:sldLayout xmlns:a="http://schemas.openxmlformats.org/drawingml/2006/main" xmlns:r="http://schemas.openxmlformats.org/officeDocument/2006/relationships" xmlns:p="http://schemas.openxmlformats.org/presentationml/2006/main" type="title" preserve="1">
   <p:cSld name="Title Slide">
@@ -891,7 +793,7 @@
           <a:p>
             <a:fld id="{1AC85A85-A684-40D8-86A3-C9259AAE82D8}" type="datetime1">
               <a:rPr lang="en-US" smtClean="0"/>
-              <a:t>12/20/17</a:t>
+              <a:t>12/21/2017</a:t>
             </a:fld>
             <a:endParaRPr lang="en-US"/>
           </a:p>
@@ -1168,7 +1070,7 @@
           <a:p>
             <a:fld id="{F0E6C06A-9473-411E-8CE3-650520240B77}" type="datetime1">
               <a:rPr lang="en-US" smtClean="0"/>
-              <a:t>12/20/17</a:t>
+              <a:t>12/21/2017</a:t>
             </a:fld>
             <a:endParaRPr lang="en-US"/>
           </a:p>
@@ -1450,7 +1352,7 @@
           <a:p>
             <a:fld id="{B21C8377-8E81-460C-AB72-028B4601DA85}" type="datetime1">
               <a:rPr lang="en-US" smtClean="0"/>
-              <a:t>12/20/17</a:t>
+              <a:t>12/21/2017</a:t>
             </a:fld>
             <a:endParaRPr lang="en-US"/>
           </a:p>
@@ -1811,7 +1713,7 @@
           <a:p>
             <a:fld id="{CE594D2B-04F4-4CA3-921A-A9AF74AE2F8A}" type="datetime1">
               <a:rPr lang="en-US" smtClean="0"/>
-              <a:t>12/20/17</a:t>
+              <a:t>12/21/2017</a:t>
             </a:fld>
             <a:endParaRPr lang="en-US"/>
           </a:p>
@@ -2111,7 +2013,7 @@
           <a:p>
             <a:fld id="{B14E0546-907F-492A-91D1-646C22DEB01B}" type="datetime1">
               <a:rPr lang="en-US" smtClean="0"/>
-              <a:t>12/20/17</a:t>
+              <a:t>12/21/2017</a:t>
             </a:fld>
             <a:endParaRPr lang="en-US"/>
           </a:p>
@@ -2626,7 +2528,7 @@
           <a:p>
             <a:fld id="{16B2D5CB-8810-4F19-8552-8AFEA8288AA2}" type="datetime1">
               <a:rPr lang="en-US" smtClean="0"/>
-              <a:t>12/20/17</a:t>
+              <a:t>12/21/2017</a:t>
             </a:fld>
             <a:endParaRPr lang="en-US"/>
           </a:p>
@@ -3271,7 +3173,7 @@
           <a:p>
             <a:fld id="{5044DCCE-4A04-4AF9-9737-55C5F7E87654}" type="datetime1">
               <a:rPr lang="en-US" smtClean="0"/>
-              <a:t>12/20/17</a:t>
+              <a:t>12/21/2017</a:t>
             </a:fld>
             <a:endParaRPr lang="en-US"/>
           </a:p>
@@ -3496,7 +3398,7 @@
           <a:p>
             <a:fld id="{3E02707F-FFB4-478F-8DFC-BB06A646DB6A}" type="datetime1">
               <a:rPr lang="en-US" smtClean="0"/>
-              <a:t>12/20/17</a:t>
+              <a:t>12/21/2017</a:t>
             </a:fld>
             <a:endParaRPr lang="en-US"/>
           </a:p>
@@ -3637,7 +3539,7 @@
           <a:p>
             <a:fld id="{6C739A33-EF30-4FF1-821E-65D6125FD78F}" type="datetime1">
               <a:rPr lang="en-US" smtClean="0"/>
-              <a:t>12/20/17</a:t>
+              <a:t>12/21/2017</a:t>
             </a:fld>
             <a:endParaRPr lang="en-US"/>
           </a:p>
@@ -3974,7 +3876,7 @@
           <a:p>
             <a:fld id="{43B57161-CF01-43B5-B15B-DBDB4C5307E0}" type="datetime1">
               <a:rPr lang="en-US" smtClean="0"/>
-              <a:t>12/20/17</a:t>
+              <a:t>12/21/2017</a:t>
             </a:fld>
             <a:endParaRPr lang="en-US"/>
           </a:p>
@@ -4231,7 +4133,7 @@
           <a:p>
             <a:fld id="{2C25BE8E-1686-4A9E-9476-1FA8629C5A3B}" type="datetime1">
               <a:rPr lang="en-US" smtClean="0"/>
-              <a:t>12/20/17</a:t>
+              <a:t>12/21/2017</a:t>
             </a:fld>
             <a:endParaRPr lang="en-US"/>
           </a:p>
@@ -4444,7 +4346,7 @@
           <a:p>
             <a:fld id="{16DAFF32-DDD0-42D7-831F-4E1EE6CD6B73}" type="datetime1">
               <a:rPr lang="en-US" smtClean="0"/>
-              <a:t>12/20/17</a:t>
+              <a:t>12/21/2017</a:t>
             </a:fld>
             <a:endParaRPr lang="en-US"/>
           </a:p>
@@ -4865,7 +4767,7 @@
         </p:spPr>
         <p:txBody>
           <a:bodyPr>
-            <a:normAutofit/>
+            <a:normAutofit fontScale="90000"/>
           </a:bodyPr>
           <a:lstStyle/>
           <a:p>
@@ -4892,14 +4794,38 @@
               <a:t>                                                     </a:t>
             </a:r>
             <a:r>
+              <a:rPr lang="en-US" sz="4400" b="1" dirty="0" smtClean="0"/>
+              <a:t>@</a:t>
+            </a:r>
+            <a:r>
+              <a:rPr lang="en-US" sz="4400" b="1" dirty="0" err="1" smtClean="0"/>
+              <a:t>SaFaVi</a:t>
+            </a:r>
+            <a:r>
               <a:rPr lang="en-US" sz="4400" dirty="0" smtClean="0"/>
-              <a:t>@</a:t>
-            </a:r>
-            <a:r>
-              <a:rPr lang="en-US" sz="4400" dirty="0" err="1" smtClean="0"/>
-              <a:t>SaFaVi</a:t>
-            </a:r>
-            <a:endParaRPr lang="en-US" sz="4400" dirty="0"/>
+              <a:t/>
+            </a:r>
+            <a:br>
+              <a:rPr lang="en-US" sz="4400" dirty="0" smtClean="0"/>
+            </a:br>
+            <a:r>
+              <a:rPr lang="en-US" sz="4400" dirty="0" smtClean="0">
+                <a:latin typeface="Arial" panose="020B0604020202020204" pitchFamily="34" charset="0"/>
+                <a:cs typeface="Arial" panose="020B0604020202020204" pitchFamily="34" charset="0"/>
+              </a:rPr>
+              <a:t>“</a:t>
+            </a:r>
+            <a:r>
+              <a:rPr lang="en-US" sz="3600" b="1" dirty="0" smtClean="0">
+                <a:latin typeface="Arial" panose="020B0604020202020204" pitchFamily="34" charset="0"/>
+                <a:cs typeface="Arial" panose="020B0604020202020204" pitchFamily="34" charset="0"/>
+              </a:rPr>
+              <a:t>Code different”</a:t>
+            </a:r>
+            <a:endParaRPr lang="en-US" sz="4400" b="1" dirty="0">
+              <a:latin typeface="Arial" panose="020B0604020202020204" pitchFamily="34" charset="0"/>
+              <a:cs typeface="Arial" panose="020B0604020202020204" pitchFamily="34" charset="0"/>
+            </a:endParaRPr>
           </a:p>
         </p:txBody>
       </p:sp>
@@ -4921,20 +4847,20 @@
           <a:lstStyle/>
           <a:p>
             <a:r>
-              <a:rPr lang="en-US" dirty="0" smtClean="0"/>
+              <a:rPr lang="en-US" b="1" dirty="0" smtClean="0"/>
               <a:t>Web Application Architecture</a:t>
             </a:r>
           </a:p>
           <a:p>
             <a:r>
-              <a:rPr lang="en-US" dirty="0" smtClean="0"/>
+              <a:rPr lang="en-US" b="1" dirty="0" smtClean="0"/>
               <a:t>Prof. </a:t>
             </a:r>
             <a:r>
-              <a:rPr lang="en-US" dirty="0" err="1" smtClean="0"/>
+              <a:rPr lang="en-US" b="1" dirty="0" err="1" smtClean="0"/>
               <a:t>Bruen</a:t>
             </a:r>
-            <a:endParaRPr lang="en-US" dirty="0"/>
+            <a:endParaRPr lang="en-US" b="1" dirty="0"/>
           </a:p>
         </p:txBody>
       </p:sp>
@@ -5015,7 +4941,7 @@
           <a:p>
             <a:r>
               <a:rPr lang="en-US" dirty="0" smtClean="0"/>
-              <a:t>Features</a:t>
+              <a:t>Requirements</a:t>
             </a:r>
             <a:endParaRPr lang="en-US" dirty="0"/>
           </a:p>
@@ -5033,8 +4959,8 @@
         </p:nvSpPr>
         <p:spPr>
           <a:xfrm>
-            <a:off x="1053861" y="1756614"/>
-            <a:ext cx="6093884" cy="4255998"/>
+            <a:off x="736124" y="1738684"/>
+            <a:ext cx="4830958" cy="3290516"/>
           </a:xfrm>
         </p:spPr>
         <p:txBody>
@@ -5048,9 +4974,18 @@
               <a:buChar char="•"/>
             </a:pPr>
             <a:r>
-              <a:rPr lang="en-US" sz="2400" dirty="0" smtClean="0"/>
-              <a:t>Product Management</a:t>
-            </a:r>
+              <a:rPr lang="en-US" sz="2000" dirty="0" smtClean="0"/>
+              <a:t>Create</a:t>
+            </a:r>
+            <a:r>
+              <a:rPr lang="en-US" sz="2000" dirty="0"/>
+              <a:t>, List, Delete, Update </a:t>
+            </a:r>
+            <a:r>
+              <a:rPr lang="en-US" sz="2000" dirty="0" smtClean="0"/>
+              <a:t>Products</a:t>
+            </a:r>
+            <a:endParaRPr lang="en-US" sz="2000" dirty="0"/>
           </a:p>
           <a:p>
             <a:pPr marL="285750" indent="-285750">
@@ -5058,9 +4993,14 @@
               <a:buChar char="•"/>
             </a:pPr>
             <a:r>
-              <a:rPr lang="en-US" sz="2400" dirty="0" smtClean="0"/>
-              <a:t>Product Category Management</a:t>
-            </a:r>
+              <a:rPr lang="en-US" sz="2000" dirty="0"/>
+              <a:t>Create, List, Update </a:t>
+            </a:r>
+            <a:r>
+              <a:rPr lang="en-US" sz="2000" dirty="0" smtClean="0"/>
+              <a:t>Persons</a:t>
+            </a:r>
+            <a:endParaRPr lang="en-US" sz="2000" dirty="0"/>
           </a:p>
           <a:p>
             <a:pPr marL="285750" indent="-285750">
@@ -5068,8 +5008,12 @@
               <a:buChar char="•"/>
             </a:pPr>
             <a:r>
-              <a:rPr lang="en-US" sz="2400" dirty="0" smtClean="0"/>
-              <a:t>Order Management</a:t>
+              <a:rPr lang="en-US" sz="2000" dirty="0"/>
+              <a:t>Create and List </a:t>
+            </a:r>
+            <a:r>
+              <a:rPr lang="en-US" sz="2000" dirty="0" smtClean="0"/>
+              <a:t>Orders</a:t>
             </a:r>
           </a:p>
           <a:p>
@@ -5078,32 +5022,10 @@
               <a:buChar char="•"/>
             </a:pPr>
             <a:r>
-              <a:rPr lang="en-US" sz="2400" dirty="0" smtClean="0"/>
-              <a:t>User Management – Registration</a:t>
-            </a:r>
-          </a:p>
-          <a:p>
-            <a:pPr marL="285750" indent="-285750">
-              <a:buFont typeface="Arial" panose="020B0604020202020204" pitchFamily="34" charset="0"/>
-              <a:buChar char="•"/>
-            </a:pPr>
-            <a:r>
-              <a:rPr lang="en-US" sz="2400" dirty="0" smtClean="0"/>
-              <a:t>Authentication - Authorization</a:t>
-            </a:r>
-          </a:p>
-          <a:p>
-            <a:pPr marL="285750" indent="-285750">
-              <a:buFont typeface="Arial" panose="020B0604020202020204" pitchFamily="34" charset="0"/>
-              <a:buChar char="•"/>
-            </a:pPr>
-            <a:endParaRPr lang="en-US" sz="2400" dirty="0" smtClean="0"/>
-          </a:p>
-          <a:p>
-            <a:endParaRPr lang="en-US" sz="2400" dirty="0" smtClean="0"/>
-          </a:p>
-          <a:p>
-            <a:endParaRPr lang="en-US" sz="2400" dirty="0"/>
+              <a:rPr lang="en-US" sz="2000" dirty="0" smtClean="0"/>
+              <a:t>User Registration</a:t>
+            </a:r>
+            <a:endParaRPr lang="en-US" sz="2000" dirty="0"/>
           </a:p>
         </p:txBody>
       </p:sp>
@@ -5130,168 +5052,18 @@
           </a:p>
         </p:txBody>
       </p:sp>
-    </p:spTree>
-    <p:extLst>
-      <p:ext uri="{BB962C8B-B14F-4D97-AF65-F5344CB8AC3E}">
-        <p14:creationId xmlns:p14="http://schemas.microsoft.com/office/powerpoint/2010/main" val="1328676004"/>
-      </p:ext>
-    </p:extLst>
-  </p:cSld>
-  <p:clrMapOvr>
-    <a:masterClrMapping/>
-  </p:clrMapOvr>
-  <mc:AlternateContent xmlns:mc="http://schemas.openxmlformats.org/markup-compatibility/2006" xmlns:p14="http://schemas.microsoft.com/office/powerpoint/2010/main">
-    <mc:Choice Requires="p14">
-      <p:transition p14:dur="0"/>
-    </mc:Choice>
-    <mc:Fallback xmlns="">
-      <p:transition/>
-    </mc:Fallback>
-  </mc:AlternateContent>
-  <p:timing>
-    <p:tnLst>
-      <p:par>
-        <p:cTn id="1" dur="indefinite" restart="never" nodeType="tmRoot"/>
-      </p:par>
-    </p:tnLst>
-  </p:timing>
-</p:sld>
-</file>
-
-<file path=ppt/slides/slide3.xml><?xml version="1.0" encoding="utf-8"?>
-<p:sld xmlns:a="http://schemas.openxmlformats.org/drawingml/2006/main" xmlns:r="http://schemas.openxmlformats.org/officeDocument/2006/relationships" xmlns:p="http://schemas.openxmlformats.org/presentationml/2006/main">
-  <p:cSld>
-    <p:spTree>
-      <p:nvGrpSpPr>
-        <p:cNvPr id="1" name=""/>
-        <p:cNvGrpSpPr/>
-        <p:nvPr/>
-      </p:nvGrpSpPr>
-      <p:grpSpPr>
-        <a:xfrm>
-          <a:off x="0" y="0"/>
-          <a:ext cx="0" cy="0"/>
-          <a:chOff x="0" y="0"/>
-          <a:chExt cx="0" cy="0"/>
-        </a:xfrm>
-      </p:grpSpPr>
-      <p:sp>
-        <p:nvSpPr>
-          <p:cNvPr id="2" name="Title 1"/>
-          <p:cNvSpPr>
-            <a:spLocks noGrp="1"/>
-          </p:cNvSpPr>
-          <p:nvPr>
-            <p:ph type="title"/>
-          </p:nvPr>
+      <p:sp>
+        <p:nvSpPr>
+          <p:cNvPr id="6" name="Content Placeholder 2"/>
+          <p:cNvSpPr txBox="1">
+            <a:spLocks/>
+          </p:cNvSpPr>
+          <p:nvPr/>
         </p:nvSpPr>
         <p:spPr>
           <a:xfrm>
-            <a:off x="604434" y="12357"/>
-            <a:ext cx="10749367" cy="1208868"/>
-          </a:xfrm>
-        </p:spPr>
-        <p:txBody>
-          <a:bodyPr/>
-          <a:lstStyle/>
-          <a:p>
-            <a:r>
-              <a:rPr lang="en-US" dirty="0" smtClean="0"/>
-              <a:t>Techniques</a:t>
-            </a:r>
-            <a:endParaRPr lang="en-US" dirty="0"/>
-          </a:p>
-        </p:txBody>
-      </p:sp>
-      <p:sp>
-        <p:nvSpPr>
-          <p:cNvPr id="3" name="Content Placeholder 2"/>
-          <p:cNvSpPr>
-            <a:spLocks noGrp="1"/>
-          </p:cNvSpPr>
-          <p:nvPr>
-            <p:ph idx="1"/>
-          </p:nvPr>
-        </p:nvSpPr>
-        <p:spPr>
-          <a:xfrm>
-            <a:off x="1148751" y="1742538"/>
-            <a:ext cx="3552645" cy="4139278"/>
-          </a:xfrm>
-        </p:spPr>
-        <p:txBody>
-          <a:bodyPr>
-            <a:noAutofit/>
-          </a:bodyPr>
-          <a:lstStyle/>
-          <a:p>
-            <a:pPr marL="285750" indent="-285750">
-              <a:buFont typeface="Arial" panose="020B0604020202020204" pitchFamily="34" charset="0"/>
-              <a:buChar char="•"/>
-            </a:pPr>
-            <a:r>
-              <a:rPr lang="en-US" sz="2400" dirty="0" smtClean="0"/>
-              <a:t>Spring Tiles</a:t>
-            </a:r>
-          </a:p>
-          <a:p>
-            <a:pPr marL="285750" indent="-285750">
-              <a:buFont typeface="Arial" panose="020B0604020202020204" pitchFamily="34" charset="0"/>
-              <a:buChar char="•"/>
-            </a:pPr>
-            <a:r>
-              <a:rPr lang="en-US" sz="2400" dirty="0" smtClean="0"/>
-              <a:t>Spring Validation</a:t>
-            </a:r>
-          </a:p>
-          <a:p>
-            <a:pPr marL="285750" indent="-285750">
-              <a:buFont typeface="Arial" panose="020B0604020202020204" pitchFamily="34" charset="0"/>
-              <a:buChar char="•"/>
-            </a:pPr>
-            <a:r>
-              <a:rPr lang="en-US" sz="2400" dirty="0" smtClean="0"/>
-              <a:t>Spring Security</a:t>
-            </a:r>
-          </a:p>
-          <a:p>
-            <a:pPr marL="285750" indent="-285750">
-              <a:buFont typeface="Arial" panose="020B0604020202020204" pitchFamily="34" charset="0"/>
-              <a:buChar char="•"/>
-            </a:pPr>
-            <a:r>
-              <a:rPr lang="en-US" sz="2400" dirty="0"/>
-              <a:t>Spring Data </a:t>
-            </a:r>
-            <a:r>
-              <a:rPr lang="en-US" sz="2400" dirty="0" smtClean="0"/>
-              <a:t>JPA</a:t>
-            </a:r>
-          </a:p>
-          <a:p>
-            <a:pPr marL="285750" indent="-285750">
-              <a:buFont typeface="Arial" panose="020B0604020202020204" pitchFamily="34" charset="0"/>
-              <a:buChar char="•"/>
-            </a:pPr>
-            <a:r>
-              <a:rPr lang="en-US" sz="2400" dirty="0" smtClean="0"/>
-              <a:t>Localization</a:t>
-            </a:r>
-          </a:p>
-        </p:txBody>
-      </p:sp>
-      <p:sp>
-        <p:nvSpPr>
-          <p:cNvPr id="8" name="Content Placeholder 2"/>
-          <p:cNvSpPr txBox="1">
-            <a:spLocks/>
-          </p:cNvSpPr>
-          <p:nvPr/>
-        </p:nvSpPr>
-        <p:spPr>
-          <a:xfrm>
-            <a:off x="5696465" y="1742538"/>
-            <a:ext cx="5177481" cy="3904500"/>
+            <a:off x="5979117" y="1613178"/>
+            <a:ext cx="5585354" cy="4868304"/>
           </a:xfrm>
           <a:prstGeom prst="rect">
             <a:avLst/>
@@ -5491,63 +5263,409 @@
             </a:lvl9pPr>
           </a:lstStyle>
           <a:p>
+            <a:pPr>
+              <a:spcAft>
+                <a:spcPts val="0"/>
+              </a:spcAft>
+            </a:pPr>
+            <a:r>
+              <a:rPr lang="en-US" sz="2000" dirty="0"/>
+              <a:t>Users can login to:</a:t>
+            </a:r>
+          </a:p>
+          <a:p>
+            <a:pPr marL="285750" indent="-285750">
+              <a:spcBef>
+                <a:spcPts val="400"/>
+              </a:spcBef>
+              <a:spcAft>
+                <a:spcPts val="400"/>
+              </a:spcAft>
+              <a:buFont typeface="Arial" panose="020B0604020202020204" pitchFamily="34" charset="0"/>
+              <a:buChar char="•"/>
+            </a:pPr>
+            <a:r>
+              <a:rPr lang="en-US" sz="2000" dirty="0" smtClean="0"/>
+              <a:t>Register</a:t>
+            </a:r>
+          </a:p>
+          <a:p>
+            <a:pPr marL="285750" indent="-285750">
+              <a:spcBef>
+                <a:spcPts val="400"/>
+              </a:spcBef>
+              <a:spcAft>
+                <a:spcPts val="400"/>
+              </a:spcAft>
+              <a:buFont typeface="Arial" panose="020B0604020202020204" pitchFamily="34" charset="0"/>
+              <a:buChar char="•"/>
+            </a:pPr>
+            <a:r>
+              <a:rPr lang="en-US" sz="2000" dirty="0" smtClean="0"/>
+              <a:t>Place </a:t>
+            </a:r>
+            <a:r>
+              <a:rPr lang="en-US" sz="2000" dirty="0"/>
+              <a:t>orders</a:t>
+            </a:r>
+          </a:p>
+          <a:p>
+            <a:pPr marL="285750" indent="-285750">
+              <a:spcBef>
+                <a:spcPts val="400"/>
+              </a:spcBef>
+              <a:spcAft>
+                <a:spcPts val="400"/>
+              </a:spcAft>
+              <a:buFont typeface="Arial" panose="020B0604020202020204" pitchFamily="34" charset="0"/>
+              <a:buChar char="•"/>
+            </a:pPr>
+            <a:r>
+              <a:rPr lang="en-US" sz="2000" dirty="0"/>
+              <a:t>Update their personal </a:t>
+            </a:r>
+            <a:r>
+              <a:rPr lang="en-US" sz="2000" dirty="0" smtClean="0"/>
+              <a:t>information</a:t>
+            </a:r>
+            <a:endParaRPr lang="en-US" sz="2000" dirty="0"/>
+          </a:p>
+          <a:p>
+            <a:pPr>
+              <a:spcAft>
+                <a:spcPts val="0"/>
+              </a:spcAft>
+            </a:pPr>
+            <a:r>
+              <a:rPr lang="en-US" sz="2000" dirty="0"/>
+              <a:t>Administrators can login to:</a:t>
+            </a:r>
+          </a:p>
+          <a:p>
+            <a:pPr marL="285750" indent="-285750">
+              <a:spcBef>
+                <a:spcPts val="400"/>
+              </a:spcBef>
+              <a:spcAft>
+                <a:spcPts val="400"/>
+              </a:spcAft>
+              <a:buFont typeface="Arial" panose="020B0604020202020204" pitchFamily="34" charset="0"/>
+              <a:buChar char="•"/>
+            </a:pPr>
+            <a:r>
+              <a:rPr lang="en-US" sz="2000" dirty="0"/>
+              <a:t>Maintain the list of products</a:t>
+            </a:r>
+          </a:p>
+          <a:p>
+            <a:pPr marL="285750" indent="-285750">
+              <a:spcBef>
+                <a:spcPts val="400"/>
+              </a:spcBef>
+              <a:spcAft>
+                <a:spcPts val="400"/>
+              </a:spcAft>
+              <a:buFont typeface="Arial" panose="020B0604020202020204" pitchFamily="34" charset="0"/>
+              <a:buChar char="•"/>
+            </a:pPr>
+            <a:r>
+              <a:rPr lang="en-US" sz="2000" dirty="0"/>
+              <a:t>Create and List persons</a:t>
+            </a:r>
+          </a:p>
+          <a:p>
+            <a:pPr marL="285750" indent="-285750">
+              <a:spcBef>
+                <a:spcPts val="400"/>
+              </a:spcBef>
+              <a:spcAft>
+                <a:spcPts val="400"/>
+              </a:spcAft>
+              <a:buFont typeface="Arial" panose="020B0604020202020204" pitchFamily="34" charset="0"/>
+              <a:buChar char="•"/>
+            </a:pPr>
+            <a:r>
+              <a:rPr lang="en-US" sz="2000" dirty="0"/>
+              <a:t>List Orders</a:t>
+            </a:r>
+          </a:p>
+          <a:p>
+            <a:endParaRPr lang="en-US" sz="2000" dirty="0"/>
+          </a:p>
+        </p:txBody>
+      </p:sp>
+    </p:spTree>
+    <p:extLst>
+      <p:ext uri="{BB962C8B-B14F-4D97-AF65-F5344CB8AC3E}">
+        <p14:creationId xmlns:p14="http://schemas.microsoft.com/office/powerpoint/2010/main" val="1750982516"/>
+      </p:ext>
+    </p:extLst>
+  </p:cSld>
+  <p:clrMapOvr>
+    <a:masterClrMapping/>
+  </p:clrMapOvr>
+  <mc:AlternateContent xmlns:mc="http://schemas.openxmlformats.org/markup-compatibility/2006">
+    <mc:Choice xmlns:p14="http://schemas.microsoft.com/office/powerpoint/2010/main" Requires="p14">
+      <p:transition p14:dur="0"/>
+    </mc:Choice>
+    <mc:Fallback>
+      <p:transition/>
+    </mc:Fallback>
+  </mc:AlternateContent>
+  <p:timing>
+    <p:tnLst>
+      <p:par>
+        <p:cTn id="1" dur="indefinite" restart="never" nodeType="tmRoot"/>
+      </p:par>
+    </p:tnLst>
+  </p:timing>
+</p:sld>
+</file>
+
+<file path=ppt/slides/slide3.xml><?xml version="1.0" encoding="utf-8"?>
+<p:sld xmlns:a="http://schemas.openxmlformats.org/drawingml/2006/main" xmlns:r="http://schemas.openxmlformats.org/officeDocument/2006/relationships" xmlns:p="http://schemas.openxmlformats.org/presentationml/2006/main">
+  <p:cSld>
+    <p:spTree>
+      <p:nvGrpSpPr>
+        <p:cNvPr id="1" name=""/>
+        <p:cNvGrpSpPr/>
+        <p:nvPr/>
+      </p:nvGrpSpPr>
+      <p:grpSpPr>
+        <a:xfrm>
+          <a:off x="0" y="0"/>
+          <a:ext cx="0" cy="0"/>
+          <a:chOff x="0" y="0"/>
+          <a:chExt cx="0" cy="0"/>
+        </a:xfrm>
+      </p:grpSpPr>
+      <p:sp>
+        <p:nvSpPr>
+          <p:cNvPr id="2" name="Title 1"/>
+          <p:cNvSpPr>
+            <a:spLocks noGrp="1"/>
+          </p:cNvSpPr>
+          <p:nvPr>
+            <p:ph type="title"/>
+          </p:nvPr>
+        </p:nvSpPr>
+        <p:spPr/>
+        <p:txBody>
+          <a:bodyPr/>
+          <a:lstStyle/>
+          <a:p>
+            <a:r>
+              <a:rPr lang="en-US" dirty="0" smtClean="0"/>
+              <a:t>Features - Authors</a:t>
+            </a:r>
+            <a:endParaRPr lang="en-US" dirty="0"/>
+          </a:p>
+        </p:txBody>
+      </p:sp>
+      <p:sp>
+        <p:nvSpPr>
+          <p:cNvPr id="3" name="Content Placeholder 2"/>
+          <p:cNvSpPr>
+            <a:spLocks noGrp="1"/>
+          </p:cNvSpPr>
+          <p:nvPr>
+            <p:ph idx="1"/>
+          </p:nvPr>
+        </p:nvSpPr>
+        <p:spPr>
+          <a:xfrm>
+            <a:off x="1385555" y="1622612"/>
+            <a:ext cx="7211598" cy="4982324"/>
+          </a:xfrm>
+        </p:spPr>
+        <p:txBody>
+          <a:bodyPr>
+            <a:noAutofit/>
+          </a:bodyPr>
+          <a:lstStyle/>
+          <a:p>
+            <a:pPr>
+              <a:spcBef>
+                <a:spcPts val="0"/>
+              </a:spcBef>
+              <a:spcAft>
+                <a:spcPts val="0"/>
+              </a:spcAft>
+            </a:pPr>
+            <a:r>
+              <a:rPr lang="en-US" sz="2400" b="1" dirty="0" smtClean="0"/>
+              <a:t>Pham Dong</a:t>
+            </a:r>
+          </a:p>
+          <a:p>
+            <a:pPr marL="971550" lvl="1" indent="-285750">
+              <a:spcBef>
+                <a:spcPts val="0"/>
+              </a:spcBef>
+              <a:spcAft>
+                <a:spcPts val="0"/>
+              </a:spcAft>
+            </a:pPr>
+            <a:r>
+              <a:rPr lang="en-US" sz="2400" dirty="0" smtClean="0"/>
+              <a:t>Product Management</a:t>
+            </a:r>
+          </a:p>
+          <a:p>
+            <a:pPr marL="971550" lvl="1" indent="-285750">
+              <a:spcBef>
+                <a:spcPts val="0"/>
+              </a:spcBef>
+              <a:spcAft>
+                <a:spcPts val="0"/>
+              </a:spcAft>
+            </a:pPr>
+            <a:r>
+              <a:rPr lang="en-US" sz="2400" dirty="0" smtClean="0"/>
+              <a:t>Product </a:t>
+            </a:r>
+            <a:r>
+              <a:rPr lang="en-US" sz="2400" dirty="0" smtClean="0"/>
+              <a:t>Category </a:t>
+            </a:r>
+            <a:r>
+              <a:rPr lang="en-US" sz="2400" dirty="0" smtClean="0"/>
+              <a:t>Management</a:t>
+            </a:r>
+            <a:endParaRPr lang="en-US" sz="2400" dirty="0" smtClean="0"/>
+          </a:p>
+          <a:p>
+            <a:pPr>
+              <a:spcBef>
+                <a:spcPts val="0"/>
+              </a:spcBef>
+              <a:spcAft>
+                <a:spcPts val="0"/>
+              </a:spcAft>
+            </a:pPr>
+            <a:r>
+              <a:rPr lang="en-US" sz="2400" b="1" dirty="0" smtClean="0"/>
+              <a:t>Samson </a:t>
+            </a:r>
+            <a:r>
+              <a:rPr lang="en-US" sz="2400" b="1" dirty="0" err="1" smtClean="0"/>
+              <a:t>Weldegebriel</a:t>
+            </a:r>
+            <a:endParaRPr lang="en-US" sz="2400" b="1" dirty="0" smtClean="0"/>
+          </a:p>
+          <a:p>
+            <a:pPr marL="1028700" lvl="1" indent="-342900">
+              <a:spcBef>
+                <a:spcPts val="0"/>
+              </a:spcBef>
+              <a:spcAft>
+                <a:spcPts val="0"/>
+              </a:spcAft>
+            </a:pPr>
+            <a:r>
+              <a:rPr lang="en-US" sz="2400" dirty="0" smtClean="0"/>
+              <a:t>Order Management</a:t>
+            </a:r>
+          </a:p>
+          <a:p>
+            <a:pPr>
+              <a:spcBef>
+                <a:spcPts val="0"/>
+              </a:spcBef>
+            </a:pPr>
+            <a:r>
+              <a:rPr lang="en-US" sz="2400" b="1" dirty="0" err="1" smtClean="0"/>
+              <a:t>Vinh</a:t>
+            </a:r>
+            <a:r>
+              <a:rPr lang="en-US" sz="2400" b="1" dirty="0" smtClean="0"/>
+              <a:t> Hoang</a:t>
+            </a:r>
+            <a:endParaRPr lang="en-US" sz="2400" b="1" dirty="0" smtClean="0"/>
+          </a:p>
+          <a:p>
+            <a:pPr marL="971550" lvl="1" indent="-285750">
+              <a:spcBef>
+                <a:spcPts val="0"/>
+              </a:spcBef>
+              <a:spcAft>
+                <a:spcPts val="0"/>
+              </a:spcAft>
+            </a:pPr>
+            <a:r>
+              <a:rPr lang="en-US" sz="2400" dirty="0" smtClean="0"/>
+              <a:t>User </a:t>
+            </a:r>
+            <a:r>
+              <a:rPr lang="en-US" sz="2400" dirty="0" smtClean="0"/>
+              <a:t>Management – </a:t>
+            </a:r>
+            <a:r>
+              <a:rPr lang="en-US" sz="2400" dirty="0" smtClean="0"/>
+              <a:t>Registration</a:t>
+            </a:r>
+          </a:p>
+          <a:p>
+            <a:pPr marL="971550" lvl="1" indent="-285750">
+              <a:spcBef>
+                <a:spcPts val="0"/>
+              </a:spcBef>
+              <a:spcAft>
+                <a:spcPts val="0"/>
+              </a:spcAft>
+            </a:pPr>
+            <a:r>
+              <a:rPr lang="en-US" sz="2400" dirty="0" smtClean="0"/>
+              <a:t>Authentication </a:t>
+            </a:r>
+            <a:r>
+              <a:rPr lang="en-US" sz="2400" dirty="0" smtClean="0"/>
+              <a:t>- Authorization</a:t>
+            </a:r>
+            <a:endParaRPr lang="en-US" sz="3200" dirty="0" smtClean="0"/>
+          </a:p>
+          <a:p>
             <a:pPr marL="285750" indent="-285750">
               <a:buFont typeface="Arial" panose="020B0604020202020204" pitchFamily="34" charset="0"/>
               <a:buChar char="•"/>
             </a:pPr>
-            <a:r>
-              <a:rPr lang="en-US" sz="2400" dirty="0" smtClean="0"/>
-              <a:t>REST/AJAX</a:t>
-            </a:r>
-          </a:p>
-          <a:p>
-            <a:pPr marL="285750" indent="-285750">
-              <a:buFont typeface="Arial" panose="020B0604020202020204" pitchFamily="34" charset="0"/>
-              <a:buChar char="•"/>
-            </a:pPr>
-            <a:r>
-              <a:rPr lang="en-US" sz="2400" dirty="0" smtClean="0"/>
-              <a:t>Exception Handler</a:t>
-            </a:r>
-          </a:p>
-          <a:p>
-            <a:pPr marL="285750" indent="-285750">
-              <a:buFont typeface="Arial" panose="020B0604020202020204" pitchFamily="34" charset="0"/>
-              <a:buChar char="•"/>
-            </a:pPr>
-            <a:r>
-              <a:rPr lang="en-US" sz="2400" dirty="0" smtClean="0"/>
-              <a:t>HTTP Multipart Request (file upload)</a:t>
-            </a:r>
-          </a:p>
-          <a:p>
-            <a:pPr marL="285750" indent="-285750">
-              <a:buFont typeface="Arial" panose="020B0604020202020204" pitchFamily="34" charset="0"/>
-              <a:buChar char="•"/>
-            </a:pPr>
-            <a:r>
-              <a:rPr lang="en-US" sz="2400" dirty="0" err="1" smtClean="0"/>
-              <a:t>Git</a:t>
-            </a:r>
-            <a:r>
-              <a:rPr lang="en-US" sz="2400" dirty="0" err="1"/>
-              <a:t>h</a:t>
-            </a:r>
-            <a:r>
-              <a:rPr lang="en-US" sz="2400" dirty="0" err="1" smtClean="0"/>
-              <a:t>ub</a:t>
-            </a:r>
             <a:endParaRPr lang="en-US" sz="2400" dirty="0" smtClean="0"/>
           </a:p>
           <a:p>
+            <a:endParaRPr lang="en-US" sz="2400" dirty="0" smtClean="0"/>
+          </a:p>
+          <a:p>
             <a:endParaRPr lang="en-US" sz="2400" dirty="0"/>
+          </a:p>
+        </p:txBody>
+      </p:sp>
+      <p:sp>
+        <p:nvSpPr>
+          <p:cNvPr id="4" name="Slide Number Placeholder 3"/>
+          <p:cNvSpPr>
+            <a:spLocks noGrp="1"/>
+          </p:cNvSpPr>
+          <p:nvPr>
+            <p:ph type="sldNum" sz="quarter" idx="12"/>
+          </p:nvPr>
+        </p:nvSpPr>
+        <p:spPr/>
+        <p:txBody>
+          <a:bodyPr/>
+          <a:lstStyle/>
+          <a:p>
+            <a:fld id="{9860EDB8-5305-433F-BE41-D7A86D811DB3}" type="slidenum">
+              <a:rPr lang="en-US" smtClean="0"/>
+              <a:t>3</a:t>
+            </a:fld>
+            <a:endParaRPr lang="en-US"/>
           </a:p>
         </p:txBody>
       </p:sp>
     </p:spTree>
     <p:extLst>
       <p:ext uri="{BB962C8B-B14F-4D97-AF65-F5344CB8AC3E}">
-        <p14:creationId xmlns:p14="http://schemas.microsoft.com/office/powerpoint/2010/main" val="2090733893"/>
+        <p14:creationId xmlns:p14="http://schemas.microsoft.com/office/powerpoint/2010/main" val="1328676004"/>
       </p:ext>
     </p:extLst>
   </p:cSld>
@@ -5599,75 +5717,369 @@
             <p:ph type="title"/>
           </p:nvPr>
         </p:nvSpPr>
-        <p:spPr/>
-        <p:txBody>
-          <a:bodyPr/>
-          <a:lstStyle/>
-          <a:p>
-            <a:r>
-              <a:rPr lang="en-US" dirty="0" smtClean="0"/>
-              <a:t>Database Design</a:t>
-            </a:r>
-            <a:endParaRPr lang="en-US" dirty="0"/>
-          </a:p>
-        </p:txBody>
-      </p:sp>
-      <p:pic>
-        <p:nvPicPr>
-          <p:cNvPr id="7" name="Content Placeholder 6"/>
-          <p:cNvPicPr>
-            <a:picLocks noGrp="1" noChangeAspect="1"/>
-          </p:cNvPicPr>
-          <p:nvPr>
-            <p:ph idx="1"/>
-          </p:nvPr>
-        </p:nvPicPr>
-        <p:blipFill>
-          <a:blip r:embed="rId2">
-            <a:extLst>
-              <a:ext uri="{28A0092B-C50C-407E-A947-70E740481C1C}">
-                <a14:useLocalDpi xmlns:a14="http://schemas.microsoft.com/office/drawing/2010/main" val="0"/>
-              </a:ext>
-            </a:extLst>
-          </a:blip>
-          <a:stretch>
-            <a:fillRect/>
-          </a:stretch>
-        </p:blipFill>
         <p:spPr>
           <a:xfrm>
-            <a:off x="672517" y="1618735"/>
-            <a:ext cx="10708055" cy="4951996"/>
+            <a:off x="604434" y="12357"/>
+            <a:ext cx="10749367" cy="1208868"/>
           </a:xfrm>
         </p:spPr>
-      </p:pic>
-      <p:sp>
-        <p:nvSpPr>
-          <p:cNvPr id="6" name="Slide Number Placeholder 5"/>
-          <p:cNvSpPr>
-            <a:spLocks noGrp="1"/>
-          </p:cNvSpPr>
-          <p:nvPr>
-            <p:ph type="sldNum" sz="quarter" idx="12"/>
-          </p:nvPr>
-        </p:nvSpPr>
-        <p:spPr/>
         <p:txBody>
           <a:bodyPr/>
           <a:lstStyle/>
           <a:p>
-            <a:fld id="{9860EDB8-5305-433F-BE41-D7A86D811DB3}" type="slidenum">
-              <a:rPr lang="en-US" smtClean="0"/>
-              <a:t>4</a:t>
-            </a:fld>
-            <a:endParaRPr lang="en-US"/>
+            <a:r>
+              <a:rPr lang="en-US" dirty="0" smtClean="0"/>
+              <a:t>Techniques</a:t>
+            </a:r>
+            <a:endParaRPr lang="en-US" dirty="0"/>
+          </a:p>
+        </p:txBody>
+      </p:sp>
+      <p:sp>
+        <p:nvSpPr>
+          <p:cNvPr id="3" name="Content Placeholder 2"/>
+          <p:cNvSpPr>
+            <a:spLocks noGrp="1"/>
+          </p:cNvSpPr>
+          <p:nvPr>
+            <p:ph idx="1"/>
+          </p:nvPr>
+        </p:nvSpPr>
+        <p:spPr>
+          <a:xfrm>
+            <a:off x="1148751" y="1742538"/>
+            <a:ext cx="3552645" cy="4139278"/>
+          </a:xfrm>
+        </p:spPr>
+        <p:txBody>
+          <a:bodyPr>
+            <a:noAutofit/>
+          </a:bodyPr>
+          <a:lstStyle/>
+          <a:p>
+            <a:pPr marL="285750" indent="-285750">
+              <a:buFont typeface="Arial" panose="020B0604020202020204" pitchFamily="34" charset="0"/>
+              <a:buChar char="•"/>
+            </a:pPr>
+            <a:r>
+              <a:rPr lang="en-US" sz="2400" dirty="0" smtClean="0"/>
+              <a:t>Spring Tiles</a:t>
+            </a:r>
+          </a:p>
+          <a:p>
+            <a:pPr marL="285750" indent="-285750">
+              <a:buFont typeface="Arial" panose="020B0604020202020204" pitchFamily="34" charset="0"/>
+              <a:buChar char="•"/>
+            </a:pPr>
+            <a:r>
+              <a:rPr lang="en-US" sz="2400" dirty="0" smtClean="0"/>
+              <a:t>Spring Validation</a:t>
+            </a:r>
+          </a:p>
+          <a:p>
+            <a:pPr marL="285750" indent="-285750">
+              <a:buFont typeface="Arial" panose="020B0604020202020204" pitchFamily="34" charset="0"/>
+              <a:buChar char="•"/>
+            </a:pPr>
+            <a:r>
+              <a:rPr lang="en-US" sz="2400" dirty="0" smtClean="0"/>
+              <a:t>Spring Security</a:t>
+            </a:r>
+          </a:p>
+          <a:p>
+            <a:pPr marL="285750" indent="-285750">
+              <a:buFont typeface="Arial" panose="020B0604020202020204" pitchFamily="34" charset="0"/>
+              <a:buChar char="•"/>
+            </a:pPr>
+            <a:r>
+              <a:rPr lang="en-US" sz="2400" dirty="0"/>
+              <a:t>Spring Data </a:t>
+            </a:r>
+            <a:r>
+              <a:rPr lang="en-US" sz="2400" dirty="0" smtClean="0"/>
+              <a:t>JPA</a:t>
+            </a:r>
+          </a:p>
+          <a:p>
+            <a:pPr marL="285750" indent="-285750">
+              <a:buFont typeface="Arial" panose="020B0604020202020204" pitchFamily="34" charset="0"/>
+              <a:buChar char="•"/>
+            </a:pPr>
+            <a:r>
+              <a:rPr lang="en-US" sz="2400" dirty="0" smtClean="0"/>
+              <a:t>Localization</a:t>
+            </a:r>
+          </a:p>
+        </p:txBody>
+      </p:sp>
+      <p:sp>
+        <p:nvSpPr>
+          <p:cNvPr id="8" name="Content Placeholder 2"/>
+          <p:cNvSpPr txBox="1">
+            <a:spLocks/>
+          </p:cNvSpPr>
+          <p:nvPr/>
+        </p:nvSpPr>
+        <p:spPr>
+          <a:xfrm>
+            <a:off x="5696465" y="1742538"/>
+            <a:ext cx="5177481" cy="3904500"/>
+          </a:xfrm>
+          <a:prstGeom prst="rect">
+            <a:avLst/>
+          </a:prstGeom>
+        </p:spPr>
+        <p:txBody>
+          <a:bodyPr vert="horz" lIns="91440" tIns="45720" rIns="91440" bIns="45720" rtlCol="0">
+            <a:noAutofit/>
+          </a:bodyPr>
+          <a:lstStyle>
+            <a:lvl1pPr marL="0" indent="0" algn="l" defTabSz="914400" rtl="0" eaLnBrk="1" latinLnBrk="0" hangingPunct="1">
+              <a:lnSpc>
+                <a:spcPct val="150000"/>
+              </a:lnSpc>
+              <a:spcBef>
+                <a:spcPct val="30000"/>
+              </a:spcBef>
+              <a:spcAft>
+                <a:spcPts val="1200"/>
+              </a:spcAft>
+              <a:buFont typeface="Arial" panose="020B0604020202020204" pitchFamily="34" charset="0"/>
+              <a:buNone/>
+              <a:defRPr sz="1600" kern="1200">
+                <a:solidFill>
+                  <a:schemeClr val="bg1">
+                    <a:lumMod val="50000"/>
+                  </a:schemeClr>
+                </a:solidFill>
+                <a:latin typeface="+mn-lt"/>
+                <a:ea typeface="+mn-ea"/>
+                <a:cs typeface="+mn-cs"/>
+              </a:defRPr>
+            </a:lvl1pPr>
+            <a:lvl2pPr marL="685800" indent="-228600" algn="l" defTabSz="914400" rtl="0" eaLnBrk="1" latinLnBrk="0" hangingPunct="1">
+              <a:lnSpc>
+                <a:spcPct val="150000"/>
+              </a:lnSpc>
+              <a:spcBef>
+                <a:spcPct val="30000"/>
+              </a:spcBef>
+              <a:spcAft>
+                <a:spcPts val="1200"/>
+              </a:spcAft>
+              <a:buFont typeface="Arial" panose="020B0604020202020204" pitchFamily="34" charset="0"/>
+              <a:buChar char="•"/>
+              <a:defRPr sz="1400" kern="1200">
+                <a:solidFill>
+                  <a:schemeClr val="bg1">
+                    <a:lumMod val="50000"/>
+                  </a:schemeClr>
+                </a:solidFill>
+                <a:latin typeface="+mn-lt"/>
+                <a:ea typeface="+mn-ea"/>
+                <a:cs typeface="+mn-cs"/>
+              </a:defRPr>
+            </a:lvl2pPr>
+            <a:lvl3pPr marL="1143000" indent="-228600" algn="l" defTabSz="914400" rtl="0" eaLnBrk="1" latinLnBrk="0" hangingPunct="1">
+              <a:lnSpc>
+                <a:spcPct val="150000"/>
+              </a:lnSpc>
+              <a:spcBef>
+                <a:spcPct val="30000"/>
+              </a:spcBef>
+              <a:spcAft>
+                <a:spcPts val="1200"/>
+              </a:spcAft>
+              <a:buFont typeface="Arial" panose="020B0604020202020204" pitchFamily="34" charset="0"/>
+              <a:buChar char="•"/>
+              <a:defRPr sz="1200" kern="1200">
+                <a:solidFill>
+                  <a:schemeClr val="bg1">
+                    <a:lumMod val="50000"/>
+                  </a:schemeClr>
+                </a:solidFill>
+                <a:latin typeface="+mn-lt"/>
+                <a:ea typeface="+mn-ea"/>
+                <a:cs typeface="+mn-cs"/>
+              </a:defRPr>
+            </a:lvl3pPr>
+            <a:lvl4pPr marL="1600200" indent="-228600" algn="l" defTabSz="914400" rtl="0" eaLnBrk="1" latinLnBrk="0" hangingPunct="1">
+              <a:lnSpc>
+                <a:spcPct val="150000"/>
+              </a:lnSpc>
+              <a:spcBef>
+                <a:spcPct val="30000"/>
+              </a:spcBef>
+              <a:spcAft>
+                <a:spcPts val="1200"/>
+              </a:spcAft>
+              <a:buFont typeface="Arial" panose="020B0604020202020204" pitchFamily="34" charset="0"/>
+              <a:buChar char="•"/>
+              <a:defRPr sz="1100" kern="1200">
+                <a:solidFill>
+                  <a:schemeClr val="bg1">
+                    <a:lumMod val="50000"/>
+                  </a:schemeClr>
+                </a:solidFill>
+                <a:latin typeface="+mn-lt"/>
+                <a:ea typeface="+mn-ea"/>
+                <a:cs typeface="+mn-cs"/>
+              </a:defRPr>
+            </a:lvl4pPr>
+            <a:lvl5pPr marL="2057400" indent="-228600" algn="l" defTabSz="914400" rtl="0" eaLnBrk="1" latinLnBrk="0" hangingPunct="1">
+              <a:lnSpc>
+                <a:spcPct val="150000"/>
+              </a:lnSpc>
+              <a:spcBef>
+                <a:spcPct val="30000"/>
+              </a:spcBef>
+              <a:spcAft>
+                <a:spcPts val="1200"/>
+              </a:spcAft>
+              <a:buFont typeface="Arial" panose="020B0604020202020204" pitchFamily="34" charset="0"/>
+              <a:buChar char="•"/>
+              <a:defRPr sz="1100" kern="1200">
+                <a:solidFill>
+                  <a:schemeClr val="bg1">
+                    <a:lumMod val="50000"/>
+                  </a:schemeClr>
+                </a:solidFill>
+                <a:latin typeface="+mn-lt"/>
+                <a:ea typeface="+mn-ea"/>
+                <a:cs typeface="+mn-cs"/>
+              </a:defRPr>
+            </a:lvl5pPr>
+            <a:lvl6pPr marL="2514600" indent="-228600" algn="l" defTabSz="914400" rtl="0" eaLnBrk="1" latinLnBrk="0" hangingPunct="1">
+              <a:lnSpc>
+                <a:spcPct val="90000"/>
+              </a:lnSpc>
+              <a:spcBef>
+                <a:spcPct val="30000"/>
+              </a:spcBef>
+              <a:buFont typeface="Arial" panose="020B0604020202020204" pitchFamily="34" charset="0"/>
+              <a:buChar char="•"/>
+              <a:defRPr sz="1800" kern="1200">
+                <a:solidFill>
+                  <a:schemeClr val="tx1"/>
+                </a:solidFill>
+                <a:latin typeface="+mn-lt"/>
+                <a:ea typeface="+mn-ea"/>
+                <a:cs typeface="+mn-cs"/>
+              </a:defRPr>
+            </a:lvl6pPr>
+            <a:lvl7pPr marL="2971800" indent="-228600" algn="l" defTabSz="914400" rtl="0" eaLnBrk="1" latinLnBrk="0" hangingPunct="1">
+              <a:lnSpc>
+                <a:spcPct val="90000"/>
+              </a:lnSpc>
+              <a:spcBef>
+                <a:spcPct val="30000"/>
+              </a:spcBef>
+              <a:buFont typeface="Arial" panose="020B0604020202020204" pitchFamily="34" charset="0"/>
+              <a:buChar char="•"/>
+              <a:defRPr sz="1800" kern="1200">
+                <a:solidFill>
+                  <a:schemeClr val="tx1"/>
+                </a:solidFill>
+                <a:latin typeface="+mn-lt"/>
+                <a:ea typeface="+mn-ea"/>
+                <a:cs typeface="+mn-cs"/>
+              </a:defRPr>
+            </a:lvl7pPr>
+            <a:lvl8pPr marL="3429000" indent="-228600" algn="l" defTabSz="914400" rtl="0" eaLnBrk="1" latinLnBrk="0" hangingPunct="1">
+              <a:lnSpc>
+                <a:spcPct val="90000"/>
+              </a:lnSpc>
+              <a:spcBef>
+                <a:spcPct val="30000"/>
+              </a:spcBef>
+              <a:buFont typeface="Arial" panose="020B0604020202020204" pitchFamily="34" charset="0"/>
+              <a:buChar char="•"/>
+              <a:defRPr sz="1800" kern="1200">
+                <a:solidFill>
+                  <a:schemeClr val="tx1"/>
+                </a:solidFill>
+                <a:latin typeface="+mn-lt"/>
+                <a:ea typeface="+mn-ea"/>
+                <a:cs typeface="+mn-cs"/>
+              </a:defRPr>
+            </a:lvl8pPr>
+            <a:lvl9pPr marL="3886200" indent="-228600" algn="l" defTabSz="914400" rtl="0" eaLnBrk="1" latinLnBrk="0" hangingPunct="1">
+              <a:lnSpc>
+                <a:spcPct val="90000"/>
+              </a:lnSpc>
+              <a:spcBef>
+                <a:spcPct val="30000"/>
+              </a:spcBef>
+              <a:buFont typeface="Arial" panose="020B0604020202020204" pitchFamily="34" charset="0"/>
+              <a:buChar char="•"/>
+              <a:defRPr sz="1800" kern="1200">
+                <a:solidFill>
+                  <a:schemeClr val="tx1"/>
+                </a:solidFill>
+                <a:latin typeface="+mn-lt"/>
+                <a:ea typeface="+mn-ea"/>
+                <a:cs typeface="+mn-cs"/>
+              </a:defRPr>
+            </a:lvl9pPr>
+          </a:lstStyle>
+          <a:p>
+            <a:pPr marL="285750" indent="-285750">
+              <a:buFont typeface="Arial" panose="020B0604020202020204" pitchFamily="34" charset="0"/>
+              <a:buChar char="•"/>
+            </a:pPr>
+            <a:r>
+              <a:rPr lang="en-US" sz="2400" dirty="0" smtClean="0"/>
+              <a:t>REST/AJAX</a:t>
+            </a:r>
+          </a:p>
+          <a:p>
+            <a:pPr marL="285750" indent="-285750">
+              <a:buFont typeface="Arial" panose="020B0604020202020204" pitchFamily="34" charset="0"/>
+              <a:buChar char="•"/>
+            </a:pPr>
+            <a:r>
+              <a:rPr lang="en-US" sz="2400" dirty="0" smtClean="0"/>
+              <a:t>Exception Handler</a:t>
+            </a:r>
+          </a:p>
+          <a:p>
+            <a:pPr marL="285750" indent="-285750">
+              <a:buFont typeface="Arial" panose="020B0604020202020204" pitchFamily="34" charset="0"/>
+              <a:buChar char="•"/>
+            </a:pPr>
+            <a:r>
+              <a:rPr lang="en-US" sz="2400" dirty="0" smtClean="0"/>
+              <a:t>HTTP Multipart Request (file upload)</a:t>
+            </a:r>
+          </a:p>
+          <a:p>
+            <a:pPr marL="285750" indent="-285750">
+              <a:buFont typeface="Arial" panose="020B0604020202020204" pitchFamily="34" charset="0"/>
+              <a:buChar char="•"/>
+            </a:pPr>
+            <a:r>
+              <a:rPr lang="en-US" sz="2400" dirty="0" err="1" smtClean="0"/>
+              <a:t>Git</a:t>
+            </a:r>
+            <a:r>
+              <a:rPr lang="en-US" sz="2400" dirty="0" err="1"/>
+              <a:t>h</a:t>
+            </a:r>
+            <a:r>
+              <a:rPr lang="en-US" sz="2400" dirty="0" err="1" smtClean="0"/>
+              <a:t>ub</a:t>
+            </a:r>
+            <a:endParaRPr lang="en-US" sz="2400" dirty="0" smtClean="0"/>
+          </a:p>
+          <a:p>
+            <a:endParaRPr lang="en-US" sz="2400" dirty="0"/>
           </a:p>
         </p:txBody>
       </p:sp>
     </p:spTree>
     <p:extLst>
       <p:ext uri="{BB962C8B-B14F-4D97-AF65-F5344CB8AC3E}">
-        <p14:creationId xmlns:p14="http://schemas.microsoft.com/office/powerpoint/2010/main" val="1531532291"/>
+        <p14:creationId xmlns:p14="http://schemas.microsoft.com/office/powerpoint/2010/main" val="2090733893"/>
       </p:ext>
     </p:extLst>
   </p:cSld>
@@ -5726,7 +6138,7 @@
           <a:p>
             <a:r>
               <a:rPr lang="en-US" dirty="0" smtClean="0"/>
-              <a:t>Domain Class Diagram</a:t>
+              <a:t>Database Design</a:t>
             </a:r>
             <a:endParaRPr lang="en-US" dirty="0"/>
           </a:p>
@@ -5734,7 +6146,7 @@
       </p:sp>
       <p:pic>
         <p:nvPicPr>
-          <p:cNvPr id="5" name="Content Placeholder 4"/>
+          <p:cNvPr id="7" name="Content Placeholder 6"/>
           <p:cNvPicPr>
             <a:picLocks noGrp="1" noChangeAspect="1"/>
           </p:cNvPicPr>
@@ -5756,14 +6168,14 @@
         </p:blipFill>
         <p:spPr>
           <a:xfrm>
-            <a:off x="697981" y="2150077"/>
-            <a:ext cx="10560011" cy="4399004"/>
+            <a:off x="672517" y="1618735"/>
+            <a:ext cx="10708055" cy="4951996"/>
           </a:xfrm>
         </p:spPr>
       </p:pic>
       <p:sp>
         <p:nvSpPr>
-          <p:cNvPr id="3" name="Slide Number Placeholder 2"/>
+          <p:cNvPr id="6" name="Slide Number Placeholder 5"/>
           <p:cNvSpPr>
             <a:spLocks noGrp="1"/>
           </p:cNvSpPr>
@@ -5787,7 +6199,7 @@
     </p:spTree>
     <p:extLst>
       <p:ext uri="{BB962C8B-B14F-4D97-AF65-F5344CB8AC3E}">
-        <p14:creationId xmlns:p14="http://schemas.microsoft.com/office/powerpoint/2010/main" val="2289359843"/>
+        <p14:creationId xmlns:p14="http://schemas.microsoft.com/office/powerpoint/2010/main" val="1531532291"/>
       </p:ext>
     </p:extLst>
   </p:cSld>
@@ -5846,521 +6258,44 @@
           <a:p>
             <a:r>
               <a:rPr lang="en-US" dirty="0" smtClean="0"/>
-              <a:t>PowerPoint 2013</a:t>
+              <a:t>Domain Class Diagram</a:t>
             </a:r>
             <a:endParaRPr lang="en-US" dirty="0"/>
           </a:p>
         </p:txBody>
       </p:sp>
-      <p:sp>
-        <p:nvSpPr>
-          <p:cNvPr id="3" name="Text Placeholder 2"/>
-          <p:cNvSpPr>
-            <a:spLocks noGrp="1"/>
-          </p:cNvSpPr>
-          <p:nvPr>
-            <p:ph type="body" idx="1"/>
-          </p:nvPr>
-        </p:nvSpPr>
+      <p:pic>
+        <p:nvPicPr>
+          <p:cNvPr id="5" name="Content Placeholder 4"/>
+          <p:cNvPicPr>
+            <a:picLocks noGrp="1" noChangeAspect="1"/>
+          </p:cNvPicPr>
+          <p:nvPr>
+            <p:ph idx="1"/>
+          </p:nvPr>
+        </p:nvPicPr>
+        <p:blipFill>
+          <a:blip r:embed="rId2">
+            <a:extLst>
+              <a:ext uri="{28A0092B-C50C-407E-A947-70E740481C1C}">
+                <a14:useLocalDpi xmlns:a14="http://schemas.microsoft.com/office/drawing/2010/main" val="0"/>
+              </a:ext>
+            </a:extLst>
+          </a:blip>
+          <a:stretch>
+            <a:fillRect/>
+          </a:stretch>
+        </p:blipFill>
         <p:spPr>
           <a:xfrm>
-            <a:off x="6028267" y="2402237"/>
-            <a:ext cx="5859506" cy="2187226"/>
+            <a:off x="697981" y="2150077"/>
+            <a:ext cx="10560011" cy="4399004"/>
           </a:xfrm>
         </p:spPr>
-        <p:txBody>
-          <a:bodyPr>
-            <a:noAutofit/>
-          </a:bodyPr>
-          <a:lstStyle/>
-          <a:p>
-            <a:r>
-              <a:rPr lang="en-US" sz="2400" dirty="0"/>
-              <a:t>Intuitively design beautiful presentations, easily share and work together with others and give a professional performance with advanced presenting tools.</a:t>
-            </a:r>
-          </a:p>
-        </p:txBody>
-      </p:sp>
-      <p:sp>
-        <p:nvSpPr>
-          <p:cNvPr id="8" name="Freeform 7">
-            <a:hlinkClick r:id="rId3" tooltip="Learn More"/>
-          </p:cNvPr>
-          <p:cNvSpPr/>
-          <p:nvPr/>
-        </p:nvSpPr>
-        <p:spPr>
-          <a:xfrm>
-            <a:off x="11557038" y="6134153"/>
-            <a:ext cx="431763" cy="431763"/>
-          </a:xfrm>
-          <a:custGeom>
-            <a:avLst/>
-            <a:gdLst>
-              <a:gd name="connsiteX0" fmla="*/ 283692 w 643468"/>
-              <a:gd name="connsiteY0" fmla="*/ 156886 h 643468"/>
-              <a:gd name="connsiteX1" fmla="*/ 315574 w 643468"/>
-              <a:gd name="connsiteY1" fmla="*/ 156886 h 643468"/>
-              <a:gd name="connsiteX2" fmla="*/ 486582 w 643468"/>
-              <a:gd name="connsiteY2" fmla="*/ 321734 h 643468"/>
-              <a:gd name="connsiteX3" fmla="*/ 315574 w 643468"/>
-              <a:gd name="connsiteY3" fmla="*/ 486582 h 643468"/>
-              <a:gd name="connsiteX4" fmla="*/ 283692 w 643468"/>
-              <a:gd name="connsiteY4" fmla="*/ 486582 h 643468"/>
-              <a:gd name="connsiteX5" fmla="*/ 441545 w 643468"/>
-              <a:gd name="connsiteY5" fmla="*/ 334415 h 643468"/>
-              <a:gd name="connsiteX6" fmla="*/ 156887 w 643468"/>
-              <a:gd name="connsiteY6" fmla="*/ 334415 h 643468"/>
-              <a:gd name="connsiteX7" fmla="*/ 156887 w 643468"/>
-              <a:gd name="connsiteY7" fmla="*/ 309054 h 643468"/>
-              <a:gd name="connsiteX8" fmla="*/ 441545 w 643468"/>
-              <a:gd name="connsiteY8" fmla="*/ 309054 h 643468"/>
-              <a:gd name="connsiteX9" fmla="*/ 321733 w 643468"/>
-              <a:gd name="connsiteY9" fmla="*/ 16937 h 643468"/>
-              <a:gd name="connsiteX10" fmla="*/ 16936 w 643468"/>
-              <a:gd name="connsiteY10" fmla="*/ 321734 h 643468"/>
-              <a:gd name="connsiteX11" fmla="*/ 321733 w 643468"/>
-              <a:gd name="connsiteY11" fmla="*/ 626531 h 643468"/>
-              <a:gd name="connsiteX12" fmla="*/ 626530 w 643468"/>
-              <a:gd name="connsiteY12" fmla="*/ 321734 h 643468"/>
-              <a:gd name="connsiteX13" fmla="*/ 321733 w 643468"/>
-              <a:gd name="connsiteY13" fmla="*/ 16937 h 643468"/>
-              <a:gd name="connsiteX14" fmla="*/ 321734 w 643468"/>
-              <a:gd name="connsiteY14" fmla="*/ 0 h 643468"/>
-              <a:gd name="connsiteX15" fmla="*/ 643468 w 643468"/>
-              <a:gd name="connsiteY15" fmla="*/ 321734 h 643468"/>
-              <a:gd name="connsiteX16" fmla="*/ 321734 w 643468"/>
-              <a:gd name="connsiteY16" fmla="*/ 643468 h 643468"/>
-              <a:gd name="connsiteX17" fmla="*/ 0 w 643468"/>
-              <a:gd name="connsiteY17" fmla="*/ 321734 h 643468"/>
-              <a:gd name="connsiteX18" fmla="*/ 321734 w 643468"/>
-              <a:gd name="connsiteY18" fmla="*/ 0 h 643468"/>
-            </a:gdLst>
-            <a:ahLst/>
-            <a:cxnLst>
-              <a:cxn ang="0">
-                <a:pos x="connsiteX0" y="connsiteY0"/>
-              </a:cxn>
-              <a:cxn ang="0">
-                <a:pos x="connsiteX1" y="connsiteY1"/>
-              </a:cxn>
-              <a:cxn ang="0">
-                <a:pos x="connsiteX2" y="connsiteY2"/>
-              </a:cxn>
-              <a:cxn ang="0">
-                <a:pos x="connsiteX3" y="connsiteY3"/>
-              </a:cxn>
-              <a:cxn ang="0">
-                <a:pos x="connsiteX4" y="connsiteY4"/>
-              </a:cxn>
-              <a:cxn ang="0">
-                <a:pos x="connsiteX5" y="connsiteY5"/>
-              </a:cxn>
-              <a:cxn ang="0">
-                <a:pos x="connsiteX6" y="connsiteY6"/>
-              </a:cxn>
-              <a:cxn ang="0">
-                <a:pos x="connsiteX7" y="connsiteY7"/>
-              </a:cxn>
-              <a:cxn ang="0">
-                <a:pos x="connsiteX8" y="connsiteY8"/>
-              </a:cxn>
-              <a:cxn ang="0">
-                <a:pos x="connsiteX9" y="connsiteY9"/>
-              </a:cxn>
-              <a:cxn ang="0">
-                <a:pos x="connsiteX10" y="connsiteY10"/>
-              </a:cxn>
-              <a:cxn ang="0">
-                <a:pos x="connsiteX11" y="connsiteY11"/>
-              </a:cxn>
-              <a:cxn ang="0">
-                <a:pos x="connsiteX12" y="connsiteY12"/>
-              </a:cxn>
-              <a:cxn ang="0">
-                <a:pos x="connsiteX13" y="connsiteY13"/>
-              </a:cxn>
-              <a:cxn ang="0">
-                <a:pos x="connsiteX14" y="connsiteY14"/>
-              </a:cxn>
-              <a:cxn ang="0">
-                <a:pos x="connsiteX15" y="connsiteY15"/>
-              </a:cxn>
-              <a:cxn ang="0">
-                <a:pos x="connsiteX16" y="connsiteY16"/>
-              </a:cxn>
-              <a:cxn ang="0">
-                <a:pos x="connsiteX17" y="connsiteY17"/>
-              </a:cxn>
-              <a:cxn ang="0">
-                <a:pos x="connsiteX18" y="connsiteY18"/>
-              </a:cxn>
-            </a:cxnLst>
-            <a:rect l="l" t="t" r="r" b="b"/>
-            <a:pathLst>
-              <a:path w="643468" h="643468">
-                <a:moveTo>
-                  <a:pt x="283692" y="156886"/>
-                </a:moveTo>
-                <a:lnTo>
-                  <a:pt x="315574" y="156886"/>
-                </a:lnTo>
-                <a:lnTo>
-                  <a:pt x="486582" y="321734"/>
-                </a:lnTo>
-                <a:lnTo>
-                  <a:pt x="315574" y="486582"/>
-                </a:lnTo>
-                <a:lnTo>
-                  <a:pt x="283692" y="486582"/>
-                </a:lnTo>
-                <a:lnTo>
-                  <a:pt x="441545" y="334415"/>
-                </a:lnTo>
-                <a:lnTo>
-                  <a:pt x="156887" y="334415"/>
-                </a:lnTo>
-                <a:lnTo>
-                  <a:pt x="156887" y="309054"/>
-                </a:lnTo>
-                <a:lnTo>
-                  <a:pt x="441545" y="309054"/>
-                </a:lnTo>
-                <a:close/>
-                <a:moveTo>
-                  <a:pt x="321733" y="16937"/>
-                </a:moveTo>
-                <a:cubicBezTo>
-                  <a:pt x="153398" y="16937"/>
-                  <a:pt x="16936" y="153399"/>
-                  <a:pt x="16936" y="321734"/>
-                </a:cubicBezTo>
-                <a:cubicBezTo>
-                  <a:pt x="16936" y="490069"/>
-                  <a:pt x="153398" y="626531"/>
-                  <a:pt x="321733" y="626531"/>
-                </a:cubicBezTo>
-                <a:cubicBezTo>
-                  <a:pt x="490068" y="626531"/>
-                  <a:pt x="626530" y="490069"/>
-                  <a:pt x="626530" y="321734"/>
-                </a:cubicBezTo>
-                <a:cubicBezTo>
-                  <a:pt x="626530" y="153399"/>
-                  <a:pt x="490068" y="16937"/>
-                  <a:pt x="321733" y="16937"/>
-                </a:cubicBezTo>
-                <a:close/>
-                <a:moveTo>
-                  <a:pt x="321734" y="0"/>
-                </a:moveTo>
-                <a:cubicBezTo>
-                  <a:pt x="499423" y="0"/>
-                  <a:pt x="643468" y="144045"/>
-                  <a:pt x="643468" y="321734"/>
-                </a:cubicBezTo>
-                <a:cubicBezTo>
-                  <a:pt x="643468" y="499423"/>
-                  <a:pt x="499423" y="643468"/>
-                  <a:pt x="321734" y="643468"/>
-                </a:cubicBezTo>
-                <a:cubicBezTo>
-                  <a:pt x="144045" y="643468"/>
-                  <a:pt x="0" y="499423"/>
-                  <a:pt x="0" y="321734"/>
-                </a:cubicBezTo>
-                <a:cubicBezTo>
-                  <a:pt x="0" y="144045"/>
-                  <a:pt x="144045" y="0"/>
-                  <a:pt x="321734" y="0"/>
-                </a:cubicBezTo>
-                <a:close/>
-              </a:path>
-            </a:pathLst>
-          </a:custGeom>
-          <a:solidFill>
-            <a:srgbClr val="DD462F"/>
-          </a:solidFill>
-          <a:ln>
-            <a:noFill/>
-          </a:ln>
-        </p:spPr>
-        <p:style>
-          <a:lnRef idx="2">
-            <a:schemeClr val="accent1">
-              <a:shade val="50000"/>
-            </a:schemeClr>
-          </a:lnRef>
-          <a:fillRef idx="1">
-            <a:schemeClr val="accent1"/>
-          </a:fillRef>
-          <a:effectRef idx="0">
-            <a:schemeClr val="accent1"/>
-          </a:effectRef>
-          <a:fontRef idx="minor">
-            <a:schemeClr val="lt1"/>
-          </a:fontRef>
-        </p:style>
-        <p:txBody>
-          <a:bodyPr rtlCol="0" anchor="ctr"/>
-          <a:lstStyle/>
-          <a:p>
-            <a:pPr algn="ctr"/>
-            <a:endParaRPr lang="en-US">
-              <a:solidFill>
-                <a:schemeClr val="tx1"/>
-              </a:solidFill>
-            </a:endParaRPr>
-          </a:p>
-        </p:txBody>
-      </p:sp>
-      <p:sp>
-        <p:nvSpPr>
-          <p:cNvPr id="9" name="Text Placeholder 2">
-            <a:hlinkClick r:id="rId3" tooltip="Learn More"/>
-          </p:cNvPr>
-          <p:cNvSpPr txBox="1">
-            <a:spLocks/>
-          </p:cNvSpPr>
-          <p:nvPr/>
-        </p:nvSpPr>
-        <p:spPr>
-          <a:xfrm>
-            <a:off x="2897188" y="5844663"/>
-            <a:ext cx="8659850" cy="931371"/>
-          </a:xfrm>
-          <a:prstGeom prst="rect">
-            <a:avLst/>
-          </a:prstGeom>
-        </p:spPr>
-        <p:txBody>
-          <a:bodyPr vert="horz" lIns="91440" tIns="45720" rIns="91440" bIns="45720" rtlCol="0" anchor="ctr">
-            <a:normAutofit/>
-          </a:bodyPr>
-          <a:lstStyle>
-            <a:lvl1pPr marL="0" indent="0" algn="l" defTabSz="914400" rtl="0" eaLnBrk="1" latinLnBrk="0" hangingPunct="1">
-              <a:lnSpc>
-                <a:spcPct val="150000"/>
-              </a:lnSpc>
-              <a:spcBef>
-                <a:spcPct val="30000"/>
-              </a:spcBef>
-              <a:buFont typeface="Arial" panose="020B0604020202020204" pitchFamily="34" charset="0"/>
-              <a:buNone/>
-              <a:defRPr sz="2800" kern="1200">
-                <a:solidFill>
-                  <a:schemeClr val="bg1"/>
-                </a:solidFill>
-                <a:latin typeface="+mj-lt"/>
-                <a:ea typeface="+mn-ea"/>
-                <a:cs typeface="+mn-cs"/>
-              </a:defRPr>
-            </a:lvl1pPr>
-            <a:lvl2pPr marL="457200" indent="0" algn="l" defTabSz="914400" rtl="0" eaLnBrk="1" latinLnBrk="0" hangingPunct="1">
-              <a:lnSpc>
-                <a:spcPct val="90000"/>
-              </a:lnSpc>
-              <a:spcBef>
-                <a:spcPct val="30000"/>
-              </a:spcBef>
-              <a:buFont typeface="Arial" panose="020B0604020202020204" pitchFamily="34" charset="0"/>
-              <a:buNone/>
-              <a:defRPr sz="2000" kern="1200">
-                <a:solidFill>
-                  <a:schemeClr val="tx1"/>
-                </a:solidFill>
-                <a:latin typeface="+mn-lt"/>
-                <a:ea typeface="+mn-ea"/>
-                <a:cs typeface="+mn-cs"/>
-              </a:defRPr>
-            </a:lvl2pPr>
-            <a:lvl3pPr marL="914400" indent="0" algn="l" defTabSz="914400" rtl="0" eaLnBrk="1" latinLnBrk="0" hangingPunct="1">
-              <a:lnSpc>
-                <a:spcPct val="90000"/>
-              </a:lnSpc>
-              <a:spcBef>
-                <a:spcPct val="30000"/>
-              </a:spcBef>
-              <a:buFont typeface="Arial" panose="020B0604020202020204" pitchFamily="34" charset="0"/>
-              <a:buNone/>
-              <a:defRPr sz="1800" kern="1200">
-                <a:solidFill>
-                  <a:schemeClr val="tx1"/>
-                </a:solidFill>
-                <a:latin typeface="+mn-lt"/>
-                <a:ea typeface="+mn-ea"/>
-                <a:cs typeface="+mn-cs"/>
-              </a:defRPr>
-            </a:lvl3pPr>
-            <a:lvl4pPr marL="1371600" indent="0" algn="l" defTabSz="914400" rtl="0" eaLnBrk="1" latinLnBrk="0" hangingPunct="1">
-              <a:lnSpc>
-                <a:spcPct val="90000"/>
-              </a:lnSpc>
-              <a:spcBef>
-                <a:spcPct val="30000"/>
-              </a:spcBef>
-              <a:buFont typeface="Arial" panose="020B0604020202020204" pitchFamily="34" charset="0"/>
-              <a:buNone/>
-              <a:defRPr sz="1600" kern="1200">
-                <a:solidFill>
-                  <a:schemeClr val="tx1"/>
-                </a:solidFill>
-                <a:latin typeface="+mn-lt"/>
-                <a:ea typeface="+mn-ea"/>
-                <a:cs typeface="+mn-cs"/>
-              </a:defRPr>
-            </a:lvl4pPr>
-            <a:lvl5pPr marL="1828800" indent="0" algn="l" defTabSz="914400" rtl="0" eaLnBrk="1" latinLnBrk="0" hangingPunct="1">
-              <a:lnSpc>
-                <a:spcPct val="90000"/>
-              </a:lnSpc>
-              <a:spcBef>
-                <a:spcPct val="30000"/>
-              </a:spcBef>
-              <a:buFont typeface="Arial" panose="020B0604020202020204" pitchFamily="34" charset="0"/>
-              <a:buNone/>
-              <a:defRPr sz="1600" kern="1200">
-                <a:solidFill>
-                  <a:schemeClr val="tx1"/>
-                </a:solidFill>
-                <a:latin typeface="+mn-lt"/>
-                <a:ea typeface="+mn-ea"/>
-                <a:cs typeface="+mn-cs"/>
-              </a:defRPr>
-            </a:lvl5pPr>
-            <a:lvl6pPr marL="2286000" indent="0" algn="l" defTabSz="914400" rtl="0" eaLnBrk="1" latinLnBrk="0" hangingPunct="1">
-              <a:lnSpc>
-                <a:spcPct val="90000"/>
-              </a:lnSpc>
-              <a:spcBef>
-                <a:spcPct val="30000"/>
-              </a:spcBef>
-              <a:buFont typeface="Arial" panose="020B0604020202020204" pitchFamily="34" charset="0"/>
-              <a:buNone/>
-              <a:defRPr sz="1600" kern="1200">
-                <a:solidFill>
-                  <a:schemeClr val="tx1"/>
-                </a:solidFill>
-                <a:latin typeface="+mn-lt"/>
-                <a:ea typeface="+mn-ea"/>
-                <a:cs typeface="+mn-cs"/>
-              </a:defRPr>
-            </a:lvl6pPr>
-            <a:lvl7pPr marL="2743200" indent="0" algn="l" defTabSz="914400" rtl="0" eaLnBrk="1" latinLnBrk="0" hangingPunct="1">
-              <a:lnSpc>
-                <a:spcPct val="90000"/>
-              </a:lnSpc>
-              <a:spcBef>
-                <a:spcPct val="30000"/>
-              </a:spcBef>
-              <a:buFont typeface="Arial" panose="020B0604020202020204" pitchFamily="34" charset="0"/>
-              <a:buNone/>
-              <a:defRPr sz="1600" kern="1200">
-                <a:solidFill>
-                  <a:schemeClr val="tx1"/>
-                </a:solidFill>
-                <a:latin typeface="+mn-lt"/>
-                <a:ea typeface="+mn-ea"/>
-                <a:cs typeface="+mn-cs"/>
-              </a:defRPr>
-            </a:lvl7pPr>
-            <a:lvl8pPr marL="3200400" indent="0" algn="l" defTabSz="914400" rtl="0" eaLnBrk="1" latinLnBrk="0" hangingPunct="1">
-              <a:lnSpc>
-                <a:spcPct val="90000"/>
-              </a:lnSpc>
-              <a:spcBef>
-                <a:spcPct val="30000"/>
-              </a:spcBef>
-              <a:buFont typeface="Arial" panose="020B0604020202020204" pitchFamily="34" charset="0"/>
-              <a:buNone/>
-              <a:defRPr sz="1600" kern="1200">
-                <a:solidFill>
-                  <a:schemeClr val="tx1"/>
-                </a:solidFill>
-                <a:latin typeface="+mn-lt"/>
-                <a:ea typeface="+mn-ea"/>
-                <a:cs typeface="+mn-cs"/>
-              </a:defRPr>
-            </a:lvl8pPr>
-            <a:lvl9pPr marL="3657600" indent="0" algn="l" defTabSz="914400" rtl="0" eaLnBrk="1" latinLnBrk="0" hangingPunct="1">
-              <a:lnSpc>
-                <a:spcPct val="90000"/>
-              </a:lnSpc>
-              <a:spcBef>
-                <a:spcPct val="30000"/>
-              </a:spcBef>
-              <a:buFont typeface="Arial" panose="020B0604020202020204" pitchFamily="34" charset="0"/>
-              <a:buNone/>
-              <a:defRPr sz="1600" kern="1200">
-                <a:solidFill>
-                  <a:schemeClr val="tx1"/>
-                </a:solidFill>
-                <a:latin typeface="+mn-lt"/>
-                <a:ea typeface="+mn-ea"/>
-                <a:cs typeface="+mn-cs"/>
-              </a:defRPr>
-            </a:lvl9pPr>
-          </a:lstStyle>
-          <a:p>
-            <a:pPr algn="r"/>
-            <a:r>
-              <a:rPr lang="en-US" sz="1800" dirty="0">
-                <a:solidFill>
-                  <a:srgbClr val="DD462F"/>
-                </a:solidFill>
-              </a:rPr>
-              <a:t>Find out more at the PowerPoint Getting Started Center</a:t>
-            </a:r>
-          </a:p>
-        </p:txBody>
-      </p:sp>
-      <p:sp>
-        <p:nvSpPr>
-          <p:cNvPr id="4" name="TextBox 3"/>
-          <p:cNvSpPr txBox="1"/>
-          <p:nvPr/>
-        </p:nvSpPr>
-        <p:spPr>
-          <a:xfrm>
-            <a:off x="8466022" y="6477369"/>
-            <a:ext cx="2963979" cy="298665"/>
-          </a:xfrm>
-          <a:prstGeom prst="rect">
-            <a:avLst/>
-          </a:prstGeom>
-          <a:noFill/>
-        </p:spPr>
-        <p:txBody>
-          <a:bodyPr wrap="none" rtlCol="0">
-            <a:noAutofit/>
-          </a:bodyPr>
-          <a:lstStyle/>
-          <a:p>
-            <a:r>
-              <a:rPr lang="en-US" sz="1200" dirty="0">
-                <a:solidFill>
-                  <a:srgbClr val="D24726">
-                    <a:alpha val="37000"/>
-                  </a:srgbClr>
-                </a:solidFill>
-              </a:rPr>
-              <a:t>(Click the arrow when in Slide Show mode)</a:t>
-            </a:r>
-          </a:p>
-          <a:p>
-            <a:endParaRPr lang="en-US" sz="1200" dirty="0">
-              <a:solidFill>
-                <a:srgbClr val="D24726">
-                  <a:alpha val="37000"/>
-                </a:srgbClr>
-              </a:solidFill>
-            </a:endParaRPr>
-          </a:p>
-        </p:txBody>
-      </p:sp>
-      <p:sp>
-        <p:nvSpPr>
-          <p:cNvPr id="5" name="Slide Number Placeholder 4"/>
+      </p:pic>
+      <p:sp>
+        <p:nvSpPr>
+          <p:cNvPr id="3" name="Slide Number Placeholder 2"/>
           <p:cNvSpPr>
             <a:spLocks noGrp="1"/>
           </p:cNvSpPr>
@@ -6384,23 +6319,19 @@
     </p:spTree>
     <p:extLst>
       <p:ext uri="{BB962C8B-B14F-4D97-AF65-F5344CB8AC3E}">
-        <p14:creationId xmlns:p14="http://schemas.microsoft.com/office/powerpoint/2010/main" val="2317502127"/>
+        <p14:creationId xmlns:p14="http://schemas.microsoft.com/office/powerpoint/2010/main" val="2289359843"/>
       </p:ext>
     </p:extLst>
   </p:cSld>
   <p:clrMapOvr>
     <a:masterClrMapping/>
   </p:clrMapOvr>
-  <mc:AlternateContent xmlns:mc="http://schemas.openxmlformats.org/markup-compatibility/2006" xmlns:p15="http://schemas.microsoft.com/office/powerpoint/2012/main">
-    <mc:Choice Requires="p15">
-      <p:transition xmlns:p14="http://schemas.microsoft.com/office/powerpoint/2010/main" spd="slow" p14:dur="2000">
-        <p15:prstTrans prst="drape"/>
-      </p:transition>
+  <mc:AlternateContent xmlns:mc="http://schemas.openxmlformats.org/markup-compatibility/2006" xmlns:p14="http://schemas.microsoft.com/office/powerpoint/2010/main">
+    <mc:Choice Requires="p14">
+      <p:transition p14:dur="0"/>
     </mc:Choice>
     <mc:Fallback xmlns="">
-      <p:transition spd="slow">
-        <p:fade/>
-      </p:transition>
+      <p:transition/>
     </mc:Fallback>
   </mc:AlternateContent>
   <p:timing>
